--- a/examples/DDA_single_mode/DDA_system.pptx
+++ b/examples/DDA_single_mode/DDA_system.pptx
@@ -127,7 +127,8 @@
 <file path=ppt/revisionInfo.xml><?xml version="1.0" encoding="utf-8"?>
 <p1510:revInfo xmlns:a="http://schemas.openxmlformats.org/drawingml/2006/main" xmlns:r="http://schemas.openxmlformats.org/officeDocument/2006/relationships" xmlns:p1510="http://schemas.microsoft.com/office/powerpoint/2015/10/main">
   <p1510:revLst>
-    <p1510:client id="{C85F93B4-DA14-4136-8146-5524AE6C96AD}" v="97" dt="2021-10-07T05:36:24.009"/>
+    <p1510:client id="{56ECC3C3-B039-4886-9AB2-B20B39A8BFF6}" v="181" dt="2021-10-13T15:54:22.101"/>
+    <p1510:client id="{C85F93B4-DA14-4136-8146-5524AE6C96AD}" v="17" dt="2021-10-12T22:28:40.575"/>
   </p1510:revLst>
 </p1510:revInfo>
 </file>
@@ -136,13 +137,13 @@
 <pc:chgInfo xmlns:a="http://schemas.openxmlformats.org/drawingml/2006/main" xmlns:r="http://schemas.openxmlformats.org/officeDocument/2006/relationships" xmlns:ac="http://schemas.microsoft.com/office/drawing/2013/main/command" xmlns:pc="http://schemas.microsoft.com/office/powerpoint/2013/main/command">
   <pc:docChgLst>
     <pc:chgData name="Kai Liu" userId="f2bbdec0-098a-4508-adaa-70cfc9c4d62b" providerId="ADAL" clId="{C85F93B4-DA14-4136-8146-5524AE6C96AD}"/>
-    <pc:docChg chg="undo custSel modSld">
-      <pc:chgData name="Kai Liu" userId="f2bbdec0-098a-4508-adaa-70cfc9c4d62b" providerId="ADAL" clId="{C85F93B4-DA14-4136-8146-5524AE6C96AD}" dt="2021-10-07T05:38:07.167" v="323" actId="1076"/>
+    <pc:docChg chg="undo redo custSel addSld delSld modSld">
+      <pc:chgData name="Kai Liu" userId="f2bbdec0-098a-4508-adaa-70cfc9c4d62b" providerId="ADAL" clId="{C85F93B4-DA14-4136-8146-5524AE6C96AD}" dt="2021-10-12T22:28:40.575" v="389" actId="14734"/>
       <pc:docMkLst>
         <pc:docMk/>
       </pc:docMkLst>
       <pc:sldChg chg="addSp delSp modSp mod">
-        <pc:chgData name="Kai Liu" userId="f2bbdec0-098a-4508-adaa-70cfc9c4d62b" providerId="ADAL" clId="{C85F93B4-DA14-4136-8146-5524AE6C96AD}" dt="2021-10-07T05:38:07.167" v="323" actId="1076"/>
+        <pc:chgData name="Kai Liu" userId="f2bbdec0-098a-4508-adaa-70cfc9c4d62b" providerId="ADAL" clId="{C85F93B4-DA14-4136-8146-5524AE6C96AD}" dt="2021-10-12T22:28:40.575" v="389" actId="14734"/>
         <pc:sldMkLst>
           <pc:docMk/>
           <pc:sldMk cId="2695312266" sldId="257"/>
@@ -316,7 +317,7 @@
           </ac:spMkLst>
         </pc:spChg>
         <pc:graphicFrameChg chg="add mod modGraphic">
-          <ac:chgData name="Kai Liu" userId="f2bbdec0-098a-4508-adaa-70cfc9c4d62b" providerId="ADAL" clId="{C85F93B4-DA14-4136-8146-5524AE6C96AD}" dt="2021-10-07T05:37:58.640" v="321" actId="1076"/>
+          <ac:chgData name="Kai Liu" userId="f2bbdec0-098a-4508-adaa-70cfc9c4d62b" providerId="ADAL" clId="{C85F93B4-DA14-4136-8146-5524AE6C96AD}" dt="2021-10-12T22:28:40.575" v="389" actId="14734"/>
           <ac:graphicFrameMkLst>
             <pc:docMk/>
             <pc:sldMk cId="2695312266" sldId="257"/>
@@ -396,6 +397,180 @@
           </ac:cxnSpMkLst>
         </pc:cxnChg>
       </pc:sldChg>
+      <pc:sldChg chg="addSp delSp modSp new add del mod">
+        <pc:chgData name="Kai Liu" userId="f2bbdec0-098a-4508-adaa-70cfc9c4d62b" providerId="ADAL" clId="{C85F93B4-DA14-4136-8146-5524AE6C96AD}" dt="2021-10-11T23:14:54.373" v="387" actId="680"/>
+        <pc:sldMkLst>
+          <pc:docMk/>
+          <pc:sldMk cId="636918440" sldId="258"/>
+        </pc:sldMkLst>
+        <pc:spChg chg="add del">
+          <ac:chgData name="Kai Liu" userId="f2bbdec0-098a-4508-adaa-70cfc9c4d62b" providerId="ADAL" clId="{C85F93B4-DA14-4136-8146-5524AE6C96AD}" dt="2021-10-11T23:14:50.893" v="382" actId="478"/>
+          <ac:spMkLst>
+            <pc:docMk/>
+            <pc:sldMk cId="636918440" sldId="258"/>
+            <ac:spMk id="2" creationId="{5048149A-EB99-49B2-97F9-FE1604975EC5}"/>
+          </ac:spMkLst>
+        </pc:spChg>
+        <pc:spChg chg="add del">
+          <ac:chgData name="Kai Liu" userId="f2bbdec0-098a-4508-adaa-70cfc9c4d62b" providerId="ADAL" clId="{C85F93B4-DA14-4136-8146-5524AE6C96AD}" dt="2021-10-11T23:14:51.257" v="383" actId="478"/>
+          <ac:spMkLst>
+            <pc:docMk/>
+            <pc:sldMk cId="636918440" sldId="258"/>
+            <ac:spMk id="3" creationId="{2E142EB8-377B-4441-9BEA-F6BF7399808E}"/>
+          </ac:spMkLst>
+        </pc:spChg>
+        <pc:picChg chg="add del">
+          <ac:chgData name="Kai Liu" userId="f2bbdec0-098a-4508-adaa-70cfc9c4d62b" providerId="ADAL" clId="{C85F93B4-DA14-4136-8146-5524AE6C96AD}" dt="2021-10-11T23:14:48.743" v="372" actId="22"/>
+          <ac:picMkLst>
+            <pc:docMk/>
+            <pc:sldMk cId="636918440" sldId="258"/>
+            <ac:picMk id="13" creationId="{55A026A5-8014-4FAF-A80A-E2BA797BAB2A}"/>
+          </ac:picMkLst>
+        </pc:picChg>
+        <pc:cxnChg chg="add del mod">
+          <ac:chgData name="Kai Liu" userId="f2bbdec0-098a-4508-adaa-70cfc9c4d62b" providerId="ADAL" clId="{C85F93B4-DA14-4136-8146-5524AE6C96AD}" dt="2021-10-11T23:14:51.811" v="384" actId="11529"/>
+          <ac:cxnSpMkLst>
+            <pc:docMk/>
+            <pc:sldMk cId="636918440" sldId="258"/>
+            <ac:cxnSpMk id="5" creationId="{ABE86875-6BD5-48C6-A752-2DB76661C476}"/>
+          </ac:cxnSpMkLst>
+        </pc:cxnChg>
+        <pc:cxnChg chg="add del mod">
+          <ac:chgData name="Kai Liu" userId="f2bbdec0-098a-4508-adaa-70cfc9c4d62b" providerId="ADAL" clId="{C85F93B4-DA14-4136-8146-5524AE6C96AD}" dt="2021-10-11T23:14:49.827" v="379"/>
+          <ac:cxnSpMkLst>
+            <pc:docMk/>
+            <pc:sldMk cId="636918440" sldId="258"/>
+            <ac:cxnSpMk id="7" creationId="{703D71F7-5692-4078-AEF5-BA72673F04C5}"/>
+          </ac:cxnSpMkLst>
+        </pc:cxnChg>
+        <pc:cxnChg chg="add del mod">
+          <ac:chgData name="Kai Liu" userId="f2bbdec0-098a-4508-adaa-70cfc9c4d62b" providerId="ADAL" clId="{C85F93B4-DA14-4136-8146-5524AE6C96AD}" dt="2021-10-11T23:14:49.316" v="375"/>
+          <ac:cxnSpMkLst>
+            <pc:docMk/>
+            <pc:sldMk cId="636918440" sldId="258"/>
+            <ac:cxnSpMk id="10" creationId="{B556D2AE-08AA-4069-BED5-C28F28919C7B}"/>
+          </ac:cxnSpMkLst>
+        </pc:cxnChg>
+        <pc:cxnChg chg="add del mod">
+          <ac:chgData name="Kai Liu" userId="f2bbdec0-098a-4508-adaa-70cfc9c4d62b" providerId="ADAL" clId="{C85F93B4-DA14-4136-8146-5524AE6C96AD}" dt="2021-10-11T23:14:49.316" v="375"/>
+          <ac:cxnSpMkLst>
+            <pc:docMk/>
+            <pc:sldMk cId="636918440" sldId="258"/>
+            <ac:cxnSpMk id="11" creationId="{FCF23645-2DAF-49CA-9EB2-5FE76063DC49}"/>
+          </ac:cxnSpMkLst>
+        </pc:cxnChg>
+      </pc:sldChg>
+    </pc:docChg>
+  </pc:docChgLst>
+  <pc:docChgLst>
+    <pc:chgData name="Kai Liu" userId="f2bbdec0-098a-4508-adaa-70cfc9c4d62b" providerId="ADAL" clId="{56ECC3C3-B039-4886-9AB2-B20B39A8BFF6}"/>
+    <pc:docChg chg="modSld">
+      <pc:chgData name="Kai Liu" userId="f2bbdec0-098a-4508-adaa-70cfc9c4d62b" providerId="ADAL" clId="{56ECC3C3-B039-4886-9AB2-B20B39A8BFF6}" dt="2021-10-13T15:54:22.106" v="228" actId="14100"/>
+      <pc:docMkLst>
+        <pc:docMk/>
+      </pc:docMkLst>
+      <pc:sldChg chg="modSp mod">
+        <pc:chgData name="Kai Liu" userId="f2bbdec0-098a-4508-adaa-70cfc9c4d62b" providerId="ADAL" clId="{56ECC3C3-B039-4886-9AB2-B20B39A8BFF6}" dt="2021-10-10T22:15:47.756" v="227"/>
+        <pc:sldMkLst>
+          <pc:docMk/>
+          <pc:sldMk cId="3999624732" sldId="256"/>
+        </pc:sldMkLst>
+        <pc:spChg chg="mod">
+          <ac:chgData name="Kai Liu" userId="f2bbdec0-098a-4508-adaa-70cfc9c4d62b" providerId="ADAL" clId="{56ECC3C3-B039-4886-9AB2-B20B39A8BFF6}" dt="2021-10-10T22:15:47.756" v="227"/>
+          <ac:spMkLst>
+            <pc:docMk/>
+            <pc:sldMk cId="3999624732" sldId="256"/>
+            <ac:spMk id="4" creationId="{089DF428-015B-EF46-A8ED-2CE02A061B0D}"/>
+          </ac:spMkLst>
+        </pc:spChg>
+        <pc:spChg chg="mod">
+          <ac:chgData name="Kai Liu" userId="f2bbdec0-098a-4508-adaa-70cfc9c4d62b" providerId="ADAL" clId="{56ECC3C3-B039-4886-9AB2-B20B39A8BFF6}" dt="2021-10-08T18:30:17.913" v="2" actId="20577"/>
+          <ac:spMkLst>
+            <pc:docMk/>
+            <pc:sldMk cId="3999624732" sldId="256"/>
+            <ac:spMk id="5" creationId="{06B24056-5F03-DD47-8279-ECDF0B5015E6}"/>
+          </ac:spMkLst>
+        </pc:spChg>
+        <pc:spChg chg="mod">
+          <ac:chgData name="Kai Liu" userId="f2bbdec0-098a-4508-adaa-70cfc9c4d62b" providerId="ADAL" clId="{56ECC3C3-B039-4886-9AB2-B20B39A8BFF6}" dt="2021-10-08T21:03:39.791" v="103" actId="20577"/>
+          <ac:spMkLst>
+            <pc:docMk/>
+            <pc:sldMk cId="3999624732" sldId="256"/>
+            <ac:spMk id="7" creationId="{5864392B-A7DE-1D43-9086-7910CE457482}"/>
+          </ac:spMkLst>
+        </pc:spChg>
+        <pc:spChg chg="mod">
+          <ac:chgData name="Kai Liu" userId="f2bbdec0-098a-4508-adaa-70cfc9c4d62b" providerId="ADAL" clId="{56ECC3C3-B039-4886-9AB2-B20B39A8BFF6}" dt="2021-10-08T20:45:23.769" v="32" actId="20577"/>
+          <ac:spMkLst>
+            <pc:docMk/>
+            <pc:sldMk cId="3999624732" sldId="256"/>
+            <ac:spMk id="12" creationId="{3E69AF15-93D9-9143-A022-65375C1E54D0}"/>
+          </ac:spMkLst>
+        </pc:spChg>
+        <pc:spChg chg="mod">
+          <ac:chgData name="Kai Liu" userId="f2bbdec0-098a-4508-adaa-70cfc9c4d62b" providerId="ADAL" clId="{56ECC3C3-B039-4886-9AB2-B20B39A8BFF6}" dt="2021-10-08T20:46:41.993" v="79" actId="20577"/>
+          <ac:spMkLst>
+            <pc:docMk/>
+            <pc:sldMk cId="3999624732" sldId="256"/>
+            <ac:spMk id="13" creationId="{F952C5B9-A126-684D-B8EE-FB136FBAB4A7}"/>
+          </ac:spMkLst>
+        </pc:spChg>
+        <pc:spChg chg="mod">
+          <ac:chgData name="Kai Liu" userId="f2bbdec0-098a-4508-adaa-70cfc9c4d62b" providerId="ADAL" clId="{56ECC3C3-B039-4886-9AB2-B20B39A8BFF6}" dt="2021-10-08T21:20:59.107" v="224" actId="20577"/>
+          <ac:spMkLst>
+            <pc:docMk/>
+            <pc:sldMk cId="3999624732" sldId="256"/>
+            <ac:spMk id="58" creationId="{11BE353F-4E6B-C24F-A078-25BBAA570263}"/>
+          </ac:spMkLst>
+        </pc:spChg>
+      </pc:sldChg>
+      <pc:sldChg chg="modSp mod">
+        <pc:chgData name="Kai Liu" userId="f2bbdec0-098a-4508-adaa-70cfc9c4d62b" providerId="ADAL" clId="{56ECC3C3-B039-4886-9AB2-B20B39A8BFF6}" dt="2021-10-13T15:54:22.106" v="228" actId="14100"/>
+        <pc:sldMkLst>
+          <pc:docMk/>
+          <pc:sldMk cId="2695312266" sldId="257"/>
+        </pc:sldMkLst>
+        <pc:spChg chg="mod">
+          <ac:chgData name="Kai Liu" userId="f2bbdec0-098a-4508-adaa-70cfc9c4d62b" providerId="ADAL" clId="{56ECC3C3-B039-4886-9AB2-B20B39A8BFF6}" dt="2021-10-13T15:54:22.106" v="228" actId="14100"/>
+          <ac:spMkLst>
+            <pc:docMk/>
+            <pc:sldMk cId="2695312266" sldId="257"/>
+            <ac:spMk id="11" creationId="{EE01A98B-643A-6946-B5D3-67FE75931283}"/>
+          </ac:spMkLst>
+        </pc:spChg>
+        <pc:spChg chg="mod">
+          <ac:chgData name="Kai Liu" userId="f2bbdec0-098a-4508-adaa-70cfc9c4d62b" providerId="ADAL" clId="{56ECC3C3-B039-4886-9AB2-B20B39A8BFF6}" dt="2021-10-08T21:20:09.716" v="211" actId="1076"/>
+          <ac:spMkLst>
+            <pc:docMk/>
+            <pc:sldMk cId="2695312266" sldId="257"/>
+            <ac:spMk id="51" creationId="{6D5ED005-5D9F-DD41-8968-20D502693610}"/>
+          </ac:spMkLst>
+        </pc:spChg>
+        <pc:spChg chg="mod">
+          <ac:chgData name="Kai Liu" userId="f2bbdec0-098a-4508-adaa-70cfc9c4d62b" providerId="ADAL" clId="{56ECC3C3-B039-4886-9AB2-B20B39A8BFF6}" dt="2021-10-08T21:16:58.204" v="162" actId="20577"/>
+          <ac:spMkLst>
+            <pc:docMk/>
+            <pc:sldMk cId="2695312266" sldId="257"/>
+            <ac:spMk id="53" creationId="{ED5C64DA-1850-3044-B3EA-AC12723598EE}"/>
+          </ac:spMkLst>
+        </pc:spChg>
+        <pc:spChg chg="mod">
+          <ac:chgData name="Kai Liu" userId="f2bbdec0-098a-4508-adaa-70cfc9c4d62b" providerId="ADAL" clId="{56ECC3C3-B039-4886-9AB2-B20B39A8BFF6}" dt="2021-10-08T21:04:39.379" v="151" actId="20577"/>
+          <ac:spMkLst>
+            <pc:docMk/>
+            <pc:sldMk cId="2695312266" sldId="257"/>
+            <ac:spMk id="56" creationId="{7ABFEA79-6259-E14B-9517-CE267A1A0EF1}"/>
+          </ac:spMkLst>
+        </pc:spChg>
+        <pc:graphicFrameChg chg="mod modGraphic">
+          <ac:chgData name="Kai Liu" userId="f2bbdec0-098a-4508-adaa-70cfc9c4d62b" providerId="ADAL" clId="{56ECC3C3-B039-4886-9AB2-B20B39A8BFF6}" dt="2021-10-08T21:19:27.513" v="209" actId="14100"/>
+          <ac:graphicFrameMkLst>
+            <pc:docMk/>
+            <pc:sldMk cId="2695312266" sldId="257"/>
+            <ac:graphicFrameMk id="3" creationId="{DD41D7CA-F542-456E-82AD-171C466C30B3}"/>
+          </ac:graphicFrameMkLst>
+        </pc:graphicFrameChg>
+      </pc:sldChg>
     </pc:docChg>
   </pc:docChgLst>
 </pc:chgInfo>
@@ -548,7 +723,7 @@
           <a:p>
             <a:fld id="{5F5BA397-D0EC-964C-B645-B2125E8F156F}" type="datetimeFigureOut">
               <a:rPr lang="en-US" smtClean="0"/>
-              <a:t>10/6/2021</a:t>
+              <a:t>10/13/2021</a:t>
             </a:fld>
             <a:endParaRPr lang="en-US"/>
           </a:p>
@@ -746,7 +921,7 @@
           <a:p>
             <a:fld id="{5F5BA397-D0EC-964C-B645-B2125E8F156F}" type="datetimeFigureOut">
               <a:rPr lang="en-US" smtClean="0"/>
-              <a:t>10/6/2021</a:t>
+              <a:t>10/13/2021</a:t>
             </a:fld>
             <a:endParaRPr lang="en-US"/>
           </a:p>
@@ -954,7 +1129,7 @@
           <a:p>
             <a:fld id="{5F5BA397-D0EC-964C-B645-B2125E8F156F}" type="datetimeFigureOut">
               <a:rPr lang="en-US" smtClean="0"/>
-              <a:t>10/6/2021</a:t>
+              <a:t>10/13/2021</a:t>
             </a:fld>
             <a:endParaRPr lang="en-US"/>
           </a:p>
@@ -1152,7 +1327,7 @@
           <a:p>
             <a:fld id="{5F5BA397-D0EC-964C-B645-B2125E8F156F}" type="datetimeFigureOut">
               <a:rPr lang="en-US" smtClean="0"/>
-              <a:t>10/6/2021</a:t>
+              <a:t>10/13/2021</a:t>
             </a:fld>
             <a:endParaRPr lang="en-US"/>
           </a:p>
@@ -1427,7 +1602,7 @@
           <a:p>
             <a:fld id="{5F5BA397-D0EC-964C-B645-B2125E8F156F}" type="datetimeFigureOut">
               <a:rPr lang="en-US" smtClean="0"/>
-              <a:t>10/6/2021</a:t>
+              <a:t>10/13/2021</a:t>
             </a:fld>
             <a:endParaRPr lang="en-US"/>
           </a:p>
@@ -1692,7 +1867,7 @@
           <a:p>
             <a:fld id="{5F5BA397-D0EC-964C-B645-B2125E8F156F}" type="datetimeFigureOut">
               <a:rPr lang="en-US" smtClean="0"/>
-              <a:t>10/6/2021</a:t>
+              <a:t>10/13/2021</a:t>
             </a:fld>
             <a:endParaRPr lang="en-US"/>
           </a:p>
@@ -2104,7 +2279,7 @@
           <a:p>
             <a:fld id="{5F5BA397-D0EC-964C-B645-B2125E8F156F}" type="datetimeFigureOut">
               <a:rPr lang="en-US" smtClean="0"/>
-              <a:t>10/6/2021</a:t>
+              <a:t>10/13/2021</a:t>
             </a:fld>
             <a:endParaRPr lang="en-US"/>
           </a:p>
@@ -2245,7 +2420,7 @@
           <a:p>
             <a:fld id="{5F5BA397-D0EC-964C-B645-B2125E8F156F}" type="datetimeFigureOut">
               <a:rPr lang="en-US" smtClean="0"/>
-              <a:t>10/6/2021</a:t>
+              <a:t>10/13/2021</a:t>
             </a:fld>
             <a:endParaRPr lang="en-US"/>
           </a:p>
@@ -2358,7 +2533,7 @@
           <a:p>
             <a:fld id="{5F5BA397-D0EC-964C-B645-B2125E8F156F}" type="datetimeFigureOut">
               <a:rPr lang="en-US" smtClean="0"/>
-              <a:t>10/6/2021</a:t>
+              <a:t>10/13/2021</a:t>
             </a:fld>
             <a:endParaRPr lang="en-US"/>
           </a:p>
@@ -2669,7 +2844,7 @@
           <a:p>
             <a:fld id="{5F5BA397-D0EC-964C-B645-B2125E8F156F}" type="datetimeFigureOut">
               <a:rPr lang="en-US" smtClean="0"/>
-              <a:t>10/6/2021</a:t>
+              <a:t>10/13/2021</a:t>
             </a:fld>
             <a:endParaRPr lang="en-US"/>
           </a:p>
@@ -2957,7 +3132,7 @@
           <a:p>
             <a:fld id="{5F5BA397-D0EC-964C-B645-B2125E8F156F}" type="datetimeFigureOut">
               <a:rPr lang="en-US" smtClean="0"/>
-              <a:t>10/6/2021</a:t>
+              <a:t>10/13/2021</a:t>
             </a:fld>
             <a:endParaRPr lang="en-US"/>
           </a:p>
@@ -3198,7 +3373,7 @@
           <a:p>
             <a:fld id="{5F5BA397-D0EC-964C-B645-B2125E8F156F}" type="datetimeFigureOut">
               <a:rPr lang="en-US" smtClean="0"/>
-              <a:t>10/6/2021</a:t>
+              <a:t>10/13/2021</a:t>
             </a:fld>
             <a:endParaRPr lang="en-US"/>
           </a:p>
@@ -3615,8 +3790,8 @@
           <a:chExt cx="0" cy="0"/>
         </a:xfrm>
       </p:grpSpPr>
-      <mc:AlternateContent xmlns:mc="http://schemas.openxmlformats.org/markup-compatibility/2006" xmlns:a14="http://schemas.microsoft.com/office/drawing/2010/main">
-        <mc:Choice Requires="a14">
+      <mc:AlternateContent xmlns:mc="http://schemas.openxmlformats.org/markup-compatibility/2006">
+        <mc:Choice xmlns:a14="http://schemas.microsoft.com/office/drawing/2010/main" Requires="a14">
           <p:sp>
             <p:nvSpPr>
               <p:cNvPr id="4" name="TextBox 3">
@@ -3632,7 +3807,7 @@
             <p:spPr>
               <a:xfrm>
                 <a:off x="3588940" y="576468"/>
-                <a:ext cx="5282408" cy="564065"/>
+                <a:ext cx="5645263" cy="744435"/>
               </a:xfrm>
               <a:prstGeom prst="rect">
                 <a:avLst/>
@@ -3744,179 +3919,220 @@
                         </a:rPr>
                         <m:t>+</m:t>
                       </m:r>
-                      <m:f>
-                        <m:fPr>
+                      <m:nary>
+                        <m:naryPr>
+                          <m:chr m:val="∑"/>
+                          <m:supHide m:val="on"/>
                           <m:ctrlPr>
                             <a:rPr lang="en-US" b="0" i="1" smtClean="0">
                               <a:latin typeface="Cambria Math" panose="02040503050406030204" pitchFamily="18" charset="0"/>
                             </a:rPr>
                           </m:ctrlPr>
-                        </m:fPr>
-                        <m:num>
-                          <m:r>
-                            <a:rPr lang="en-US" b="0" i="1" smtClean="0">
-                              <a:latin typeface="Cambria Math" panose="02040503050406030204" pitchFamily="18" charset="0"/>
-                            </a:rPr>
-                            <m:t>1</m:t>
-                          </m:r>
-                        </m:num>
-                        <m:den>
-                          <m:r>
-                            <a:rPr lang="en-US" b="0" i="1" smtClean="0">
-                              <a:latin typeface="Cambria Math" panose="02040503050406030204" pitchFamily="18" charset="0"/>
-                            </a:rPr>
-                            <m:t>2</m:t>
-                          </m:r>
-                        </m:den>
-                      </m:f>
-                      <m:sSub>
-                        <m:sSubPr>
-                          <m:ctrlPr>
-                            <a:rPr lang="en-US" b="0" i="1" smtClean="0">
-                              <a:latin typeface="Cambria Math" panose="02040503050406030204" pitchFamily="18" charset="0"/>
-                            </a:rPr>
-                          </m:ctrlPr>
-                        </m:sSubPr>
-                        <m:e>
-                          <m:r>
-                            <a:rPr lang="en-US" b="0" i="1" smtClean="0">
-                              <a:latin typeface="Cambria Math" panose="02040503050406030204" pitchFamily="18" charset="0"/>
-                            </a:rPr>
-                            <m:t>𝑀</m:t>
-                          </m:r>
-                        </m:e>
+                        </m:naryPr>
                         <m:sub>
                           <m:r>
                             <a:rPr lang="en-US" b="0" i="1" smtClean="0">
                               <a:latin typeface="Cambria Math" panose="02040503050406030204" pitchFamily="18" charset="0"/>
                             </a:rPr>
-                            <m:t>𝑠</m:t>
+                            <m:t>𝑖</m:t>
                           </m:r>
                         </m:sub>
-                      </m:sSub>
-                      <m:sSup>
-                        <m:sSupPr>
-                          <m:ctrlPr>
-                            <a:rPr lang="en-US" b="0" i="1" smtClean="0">
-                              <a:latin typeface="Cambria Math" panose="02040503050406030204" pitchFamily="18" charset="0"/>
-                            </a:rPr>
-                          </m:ctrlPr>
-                        </m:sSupPr>
+                        <m:sup/>
                         <m:e>
-                          <m:r>
-                            <a:rPr lang="en-US" b="0" i="1" smtClean="0">
-                              <a:latin typeface="Cambria Math" panose="02040503050406030204" pitchFamily="18" charset="0"/>
-                            </a:rPr>
-                            <m:t>𝜔</m:t>
-                          </m:r>
-                        </m:e>
-                        <m:sup>
-                          <m:r>
-                            <a:rPr lang="en-US" b="0" i="1" smtClean="0">
-                              <a:latin typeface="Cambria Math" panose="02040503050406030204" pitchFamily="18" charset="0"/>
-                            </a:rPr>
-                            <m:t>2</m:t>
-                          </m:r>
-                        </m:sup>
-                      </m:sSup>
-                      <m:sSup>
-                        <m:sSupPr>
-                          <m:ctrlPr>
-                            <a:rPr lang="en-US" b="0" i="1" smtClean="0">
-                              <a:latin typeface="Cambria Math" panose="02040503050406030204" pitchFamily="18" charset="0"/>
-                            </a:rPr>
-                          </m:ctrlPr>
-                        </m:sSupPr>
-                        <m:e>
-                          <m:d>
-                            <m:dPr>
+                          <m:f>
+                            <m:fPr>
                               <m:ctrlPr>
-                                <a:rPr lang="en-US" b="0" i="1" smtClean="0">
+                                <a:rPr lang="en-US" i="1">
                                   <a:latin typeface="Cambria Math" panose="02040503050406030204" pitchFamily="18" charset="0"/>
                                 </a:rPr>
                               </m:ctrlPr>
-                            </m:dPr>
+                            </m:fPr>
+                            <m:num>
+                              <m:r>
+                                <a:rPr lang="en-US" i="1">
+                                  <a:latin typeface="Cambria Math" panose="02040503050406030204" pitchFamily="18" charset="0"/>
+                                </a:rPr>
+                                <m:t>1</m:t>
+                              </m:r>
+                            </m:num>
+                            <m:den>
+                              <m:r>
+                                <a:rPr lang="en-US" i="1">
+                                  <a:latin typeface="Cambria Math" panose="02040503050406030204" pitchFamily="18" charset="0"/>
+                                </a:rPr>
+                                <m:t>2</m:t>
+                              </m:r>
+                            </m:den>
+                          </m:f>
+                          <m:sSub>
+                            <m:sSubPr>
+                              <m:ctrlPr>
+                                <a:rPr lang="en-US" i="1">
+                                  <a:latin typeface="Cambria Math" panose="02040503050406030204" pitchFamily="18" charset="0"/>
+                                </a:rPr>
+                              </m:ctrlPr>
+                            </m:sSubPr>
                             <m:e>
                               <m:r>
-                                <a:rPr lang="en-US" b="0" i="1" smtClean="0">
+                                <a:rPr lang="en-US" i="1">
                                   <a:latin typeface="Cambria Math" panose="02040503050406030204" pitchFamily="18" charset="0"/>
                                 </a:rPr>
-                                <m:t>𝑅</m:t>
+                                <m:t>𝑀</m:t>
                               </m:r>
+                            </m:e>
+                            <m:sub>
                               <m:r>
-                                <a:rPr lang="en-US" b="0" i="1" smtClean="0">
+                                <a:rPr lang="en-US" i="1">
                                   <a:latin typeface="Cambria Math" panose="02040503050406030204" pitchFamily="18" charset="0"/>
                                 </a:rPr>
-                                <m:t>−</m:t>
+                                <m:t>𝑠</m:t>
                               </m:r>
-                              <m:f>
-                                <m:fPr>
+                            </m:sub>
+                          </m:sSub>
+                          <m:sSup>
+                            <m:sSupPr>
+                              <m:ctrlPr>
+                                <a:rPr lang="en-US" i="1">
+                                  <a:latin typeface="Cambria Math" panose="02040503050406030204" pitchFamily="18" charset="0"/>
+                                </a:rPr>
+                              </m:ctrlPr>
+                            </m:sSupPr>
+                            <m:e>
+                              <m:r>
+                                <a:rPr lang="en-US" i="1">
+                                  <a:latin typeface="Cambria Math" panose="02040503050406030204" pitchFamily="18" charset="0"/>
+                                </a:rPr>
+                                <m:t>𝜔</m:t>
+                              </m:r>
+                            </m:e>
+                            <m:sup>
+                              <m:r>
+                                <a:rPr lang="en-US" i="1">
+                                  <a:latin typeface="Cambria Math" panose="02040503050406030204" pitchFamily="18" charset="0"/>
+                                </a:rPr>
+                                <m:t>2</m:t>
+                              </m:r>
+                            </m:sup>
+                          </m:sSup>
+                          <m:sSup>
+                            <m:sSupPr>
+                              <m:ctrlPr>
+                                <a:rPr lang="en-US" i="1">
+                                  <a:latin typeface="Cambria Math" panose="02040503050406030204" pitchFamily="18" charset="0"/>
+                                </a:rPr>
+                              </m:ctrlPr>
+                            </m:sSupPr>
+                            <m:e>
+                              <m:d>
+                                <m:dPr>
                                   <m:ctrlPr>
-                                    <a:rPr lang="en-US" b="0" i="1" smtClean="0">
+                                    <a:rPr lang="en-US" i="1">
                                       <a:latin typeface="Cambria Math" panose="02040503050406030204" pitchFamily="18" charset="0"/>
                                     </a:rPr>
                                   </m:ctrlPr>
-                                </m:fPr>
-                                <m:num>
+                                </m:dPr>
+                                <m:e>
                                   <m:r>
-                                    <a:rPr lang="en-US" b="0" i="1" smtClean="0">
+                                    <a:rPr lang="en-US" i="1">
                                       <a:latin typeface="Cambria Math" panose="02040503050406030204" pitchFamily="18" charset="0"/>
                                     </a:rPr>
-                                    <m:t>𝑐</m:t>
+                                    <m:t>𝑅</m:t>
                                   </m:r>
                                   <m:r>
-                                    <a:rPr lang="en-US" b="0" i="1" baseline="-25000" smtClean="0">
+                                    <a:rPr lang="en-US" i="1">
                                       <a:latin typeface="Cambria Math" panose="02040503050406030204" pitchFamily="18" charset="0"/>
                                     </a:rPr>
-                                    <m:t>𝑖</m:t>
+                                    <m:t>−</m:t>
                                   </m:r>
-                                </m:num>
-                                <m:den>
-                                  <m:r>
-                                    <a:rPr lang="en-US" b="0" i="1" smtClean="0">
-                                      <a:latin typeface="Cambria Math" panose="02040503050406030204" pitchFamily="18" charset="0"/>
-                                    </a:rPr>
-                                    <m:t>𝑀</m:t>
-                                  </m:r>
-                                  <m:sSup>
-                                    <m:sSupPr>
+                                  <m:f>
+                                    <m:fPr>
                                       <m:ctrlPr>
-                                        <a:rPr lang="en-US" b="0" i="1" smtClean="0">
+                                        <a:rPr lang="en-US" i="1">
                                           <a:latin typeface="Cambria Math" panose="02040503050406030204" pitchFamily="18" charset="0"/>
                                         </a:rPr>
                                       </m:ctrlPr>
-                                    </m:sSupPr>
-                                    <m:e>
+                                    </m:fPr>
+                                    <m:num>
                                       <m:r>
-                                        <a:rPr lang="en-US" b="0" i="1" smtClean="0">
+                                        <a:rPr lang="en-US" i="1">
                                           <a:latin typeface="Cambria Math" panose="02040503050406030204" pitchFamily="18" charset="0"/>
                                         </a:rPr>
-                                        <m:t>𝜔</m:t>
+                                        <m:t>𝑐</m:t>
                                       </m:r>
-                                    </m:e>
-                                    <m:sup>
                                       <m:r>
-                                        <a:rPr lang="en-US" b="0" i="1" smtClean="0">
+                                        <a:rPr lang="en-US" i="1" baseline="-25000">
                                           <a:latin typeface="Cambria Math" panose="02040503050406030204" pitchFamily="18" charset="0"/>
                                         </a:rPr>
-                                        <m:t>2</m:t>
+                                        <m:t>𝑖</m:t>
                                       </m:r>
-                                    </m:sup>
-                                  </m:sSup>
-                                </m:den>
-                              </m:f>
+                                    </m:num>
+                                    <m:den>
+                                      <m:sSub>
+                                        <m:sSubPr>
+                                          <m:ctrlPr>
+                                            <a:rPr lang="en-US" i="1">
+                                              <a:latin typeface="Cambria Math" panose="02040503050406030204" pitchFamily="18" charset="0"/>
+                                            </a:rPr>
+                                          </m:ctrlPr>
+                                        </m:sSubPr>
+                                        <m:e>
+                                          <m:r>
+                                            <a:rPr lang="en-US" i="1">
+                                              <a:latin typeface="Cambria Math" panose="02040503050406030204" pitchFamily="18" charset="0"/>
+                                            </a:rPr>
+                                            <m:t>𝑀</m:t>
+                                          </m:r>
+                                        </m:e>
+                                        <m:sub>
+                                          <m:r>
+                                            <a:rPr lang="en-US" i="1">
+                                              <a:latin typeface="Cambria Math" panose="02040503050406030204" pitchFamily="18" charset="0"/>
+                                            </a:rPr>
+                                            <m:t>𝑠</m:t>
+                                          </m:r>
+                                        </m:sub>
+                                      </m:sSub>
+                                      <m:sSup>
+                                        <m:sSupPr>
+                                          <m:ctrlPr>
+                                            <a:rPr lang="en-US" i="1">
+                                              <a:latin typeface="Cambria Math" panose="02040503050406030204" pitchFamily="18" charset="0"/>
+                                            </a:rPr>
+                                          </m:ctrlPr>
+                                        </m:sSupPr>
+                                        <m:e>
+                                          <m:r>
+                                            <a:rPr lang="en-US" i="1">
+                                              <a:latin typeface="Cambria Math" panose="02040503050406030204" pitchFamily="18" charset="0"/>
+                                            </a:rPr>
+                                            <m:t>𝜔</m:t>
+                                          </m:r>
+                                        </m:e>
+                                        <m:sup>
+                                          <m:r>
+                                            <a:rPr lang="en-US" i="1">
+                                              <a:latin typeface="Cambria Math" panose="02040503050406030204" pitchFamily="18" charset="0"/>
+                                            </a:rPr>
+                                            <m:t>2</m:t>
+                                          </m:r>
+                                        </m:sup>
+                                      </m:sSup>
+                                    </m:den>
+                                  </m:f>
+                                </m:e>
+                              </m:d>
                             </m:e>
-                          </m:d>
+                            <m:sup>
+                              <m:r>
+                                <a:rPr lang="en-US" i="1">
+                                  <a:latin typeface="Cambria Math" panose="02040503050406030204" pitchFamily="18" charset="0"/>
+                                </a:rPr>
+                                <m:t>2</m:t>
+                              </m:r>
+                            </m:sup>
+                          </m:sSup>
                         </m:e>
-                        <m:sup>
-                          <m:r>
-                            <a:rPr lang="en-US" b="0" i="1" smtClean="0">
-                              <a:latin typeface="Cambria Math" panose="02040503050406030204" pitchFamily="18" charset="0"/>
-                            </a:rPr>
-                            <m:t>2</m:t>
-                          </m:r>
-                        </m:sup>
-                      </m:sSup>
+                      </m:nary>
                       <m:d>
                         <m:dPr>
                           <m:begChr m:val="|"/>
@@ -4070,12 +4286,12 @@
                     </m:oMath>
                   </m:oMathPara>
                 </a14:m>
-                <a:endParaRPr lang="en-US" b="0" dirty="0"/>
+                <a:endParaRPr lang="en-US" b="0"/>
               </a:p>
             </p:txBody>
           </p:sp>
         </mc:Choice>
-        <mc:Fallback xmlns="">
+        <mc:Fallback>
           <p:sp>
             <p:nvSpPr>
               <p:cNvPr id="4" name="TextBox 3">
@@ -4093,7 +4309,7 @@
             <p:spPr>
               <a:xfrm>
                 <a:off x="3588940" y="576468"/>
-                <a:ext cx="5282408" cy="564065"/>
+                <a:ext cx="5645263" cy="744435"/>
               </a:xfrm>
               <a:prstGeom prst="rect">
                 <a:avLst/>
@@ -4101,7 +4317,7 @@
               <a:blipFill>
                 <a:blip r:embed="rId2"/>
                 <a:stretch>
-                  <a:fillRect t="-8889" b="-13333"/>
+                  <a:fillRect/>
                 </a:stretch>
               </a:blipFill>
             </p:spPr>
@@ -4120,8 +4336,8 @@
           </p:sp>
         </mc:Fallback>
       </mc:AlternateContent>
-      <mc:AlternateContent xmlns:mc="http://schemas.openxmlformats.org/markup-compatibility/2006" xmlns:a14="http://schemas.microsoft.com/office/drawing/2010/main">
-        <mc:Choice Requires="a14">
+      <mc:AlternateContent xmlns:mc="http://schemas.openxmlformats.org/markup-compatibility/2006">
+        <mc:Choice xmlns:a14="http://schemas.microsoft.com/office/drawing/2010/main" Requires="a14">
           <p:sp>
             <p:nvSpPr>
               <p:cNvPr id="5" name="TextBox 4">
@@ -4137,7 +4353,7 @@
             <p:spPr>
               <a:xfrm>
                 <a:off x="3588940" y="1199604"/>
-                <a:ext cx="3842719" cy="1033809"/>
+                <a:ext cx="3817968" cy="1066767"/>
               </a:xfrm>
               <a:prstGeom prst="rect">
                 <a:avLst/>
@@ -4373,6 +4589,12 @@
                                         </a:rPr>
                                         <m:t>𝑐</m:t>
                                       </m:r>
+                                      <m:r>
+                                        <a:rPr lang="en-US" b="0" i="1" smtClean="0">
+                                          <a:latin typeface="Cambria Math" panose="02040503050406030204" pitchFamily="18" charset="0"/>
+                                        </a:rPr>
+                                        <m:t>′</m:t>
+                                      </m:r>
                                     </m:e>
                                     <m:sub>
                                       <m:r>
@@ -4495,15 +4717,15 @@
                     </m:oMath>
                   </m:oMathPara>
                 </a14:m>
-                <a:endParaRPr lang="en-US" b="0" dirty="0"/>
+                <a:endParaRPr lang="en-US" b="0"/>
               </a:p>
               <a:p>
-                <a:endParaRPr lang="en-US" dirty="0"/>
+                <a:endParaRPr lang="en-US"/>
               </a:p>
             </p:txBody>
           </p:sp>
         </mc:Choice>
-        <mc:Fallback xmlns="">
+        <mc:Fallback>
           <p:sp>
             <p:nvSpPr>
               <p:cNvPr id="5" name="TextBox 4">
@@ -4521,7 +4743,7 @@
             <p:spPr>
               <a:xfrm>
                 <a:off x="3588940" y="1199604"/>
-                <a:ext cx="3842719" cy="1033809"/>
+                <a:ext cx="3817968" cy="1066767"/>
               </a:xfrm>
               <a:prstGeom prst="rect">
                 <a:avLst/>
@@ -4529,7 +4751,7 @@
               <a:blipFill>
                 <a:blip r:embed="rId3"/>
                 <a:stretch>
-                  <a:fillRect l="-987" t="-86585" b="-104878"/>
+                  <a:fillRect/>
                 </a:stretch>
               </a:blipFill>
             </p:spPr>
@@ -4577,14 +4799,14 @@
           <a:lstStyle/>
           <a:p>
             <a:r>
-              <a:rPr lang="en-US" dirty="0"/>
+              <a:rPr lang="en-US"/>
               <a:t>Spectral density of the bath is ohmic : </a:t>
             </a:r>
           </a:p>
         </p:txBody>
       </p:sp>
-      <mc:AlternateContent xmlns:mc="http://schemas.openxmlformats.org/markup-compatibility/2006" xmlns:a14="http://schemas.microsoft.com/office/drawing/2010/main">
-        <mc:Choice Requires="a14">
+      <mc:AlternateContent xmlns:mc="http://schemas.openxmlformats.org/markup-compatibility/2006">
+        <mc:Choice xmlns:a14="http://schemas.microsoft.com/office/drawing/2010/main" Requires="a14">
           <p:sp>
             <p:nvSpPr>
               <p:cNvPr id="7" name="TextBox 6">
@@ -4600,7 +4822,7 @@
             <p:spPr>
               <a:xfrm>
                 <a:off x="5847521" y="2139802"/>
-                <a:ext cx="1578444" cy="414665"/>
+                <a:ext cx="1870192" cy="518604"/>
               </a:xfrm>
               <a:prstGeom prst="rect">
                 <a:avLst/>
@@ -4649,11 +4871,36 @@
                         </a:rPr>
                         <m:t>=</m:t>
                       </m:r>
+                      <m:f>
+                        <m:fPr>
+                          <m:ctrlPr>
+                            <a:rPr lang="en-US" b="0" i="1" smtClean="0">
+                              <a:latin typeface="Cambria Math" panose="02040503050406030204" pitchFamily="18" charset="0"/>
+                            </a:rPr>
+                          </m:ctrlPr>
+                        </m:fPr>
+                        <m:num>
+                          <m:r>
+                            <a:rPr lang="en-US" b="0" i="1" smtClean="0">
+                              <a:latin typeface="Cambria Math" panose="02040503050406030204" pitchFamily="18" charset="0"/>
+                            </a:rPr>
+                            <m:t>1</m:t>
+                          </m:r>
+                        </m:num>
+                        <m:den>
+                          <m:r>
+                            <a:rPr lang="en-US" b="0" i="1" smtClean="0">
+                              <a:latin typeface="Cambria Math" panose="02040503050406030204" pitchFamily="18" charset="0"/>
+                            </a:rPr>
+                            <m:t>2</m:t>
+                          </m:r>
+                        </m:den>
+                      </m:f>
                       <m:r>
                         <a:rPr lang="en-US" b="0" i="1" smtClean="0">
                           <a:latin typeface="Cambria Math" panose="02040503050406030204" pitchFamily="18" charset="0"/>
                         </a:rPr>
-                        <m:t>𝜂𝜔</m:t>
+                        <m:t>𝜋𝜉𝜔</m:t>
                       </m:r>
                       <m:sSup>
                         <m:sSupPr>
@@ -4727,12 +4974,12 @@
                     </m:oMath>
                   </m:oMathPara>
                 </a14:m>
-                <a:endParaRPr lang="en-US" dirty="0"/>
+                <a:endParaRPr lang="en-US"/>
               </a:p>
             </p:txBody>
           </p:sp>
         </mc:Choice>
-        <mc:Fallback xmlns="">
+        <mc:Fallback>
           <p:sp>
             <p:nvSpPr>
               <p:cNvPr id="7" name="TextBox 6">
@@ -4750,7 +4997,7 @@
             <p:spPr>
               <a:xfrm>
                 <a:off x="5847521" y="2139802"/>
-                <a:ext cx="1578444" cy="414665"/>
+                <a:ext cx="1870192" cy="518604"/>
               </a:xfrm>
               <a:prstGeom prst="rect">
                 <a:avLst/>
@@ -4758,7 +5005,7 @@
               <a:blipFill>
                 <a:blip r:embed="rId4"/>
                 <a:stretch>
-                  <a:fillRect l="-4000" b="-17647"/>
+                  <a:fillRect/>
                 </a:stretch>
               </a:blipFill>
             </p:spPr>
@@ -4777,8 +5024,8 @@
           </p:sp>
         </mc:Fallback>
       </mc:AlternateContent>
-      <mc:AlternateContent xmlns:mc="http://schemas.openxmlformats.org/markup-compatibility/2006" xmlns:a14="http://schemas.microsoft.com/office/drawing/2010/main">
-        <mc:Choice Requires="a14">
+      <mc:AlternateContent xmlns:mc="http://schemas.openxmlformats.org/markup-compatibility/2006">
+        <mc:Choice xmlns:a14="http://schemas.microsoft.com/office/drawing/2010/main" Requires="a14">
           <p:sp>
             <p:nvSpPr>
               <p:cNvPr id="8" name="TextBox 7">
@@ -4808,7 +5055,7 @@
               <a:lstStyle/>
               <a:p>
                 <a:r>
-                  <a:rPr lang="en-US" dirty="0"/>
+                  <a:rPr lang="en-US"/>
                   <a:t> </a:t>
                 </a:r>
                 <a14:m>
@@ -4847,14 +5094,14 @@
                   </m:oMath>
                 </a14:m>
                 <a:r>
-                  <a:rPr lang="en-US" dirty="0"/>
+                  <a:rPr lang="en-US"/>
                   <a:t> cutoff frequency for bath modes.  </a:t>
                 </a:r>
               </a:p>
             </p:txBody>
           </p:sp>
         </mc:Choice>
-        <mc:Fallback xmlns="">
+        <mc:Fallback>
           <p:sp>
             <p:nvSpPr>
               <p:cNvPr id="8" name="TextBox 7">
@@ -4880,7 +5127,7 @@
               <a:blipFill>
                 <a:blip r:embed="rId5"/>
                 <a:stretch>
-                  <a:fillRect t="-6667" r="-317" b="-26667"/>
+                  <a:fillRect t="-8197" r="-306" b="-24590"/>
                 </a:stretch>
               </a:blipFill>
             </p:spPr>
@@ -4928,7 +5175,7 @@
           <a:lstStyle/>
           <a:p>
             <a:r>
-              <a:rPr lang="en-US" sz="2200" dirty="0"/>
+              <a:rPr lang="en-US" sz="2200"/>
               <a:t>Bath Discretization : </a:t>
             </a:r>
           </a:p>
@@ -4986,8 +5233,8 @@
           </a:p>
         </p:txBody>
       </p:sp>
-      <mc:AlternateContent xmlns:mc="http://schemas.openxmlformats.org/markup-compatibility/2006" xmlns:a14="http://schemas.microsoft.com/office/drawing/2010/main">
-        <mc:Choice Requires="a14">
+      <mc:AlternateContent xmlns:mc="http://schemas.openxmlformats.org/markup-compatibility/2006">
+        <mc:Choice xmlns:a14="http://schemas.microsoft.com/office/drawing/2010/main" Requires="a14">
           <p:sp>
             <p:nvSpPr>
               <p:cNvPr id="12" name="TextBox 11">
@@ -5003,7 +5250,7 @@
             <p:spPr>
               <a:xfrm>
                 <a:off x="1345100" y="3502601"/>
-                <a:ext cx="2240550" cy="531877"/>
+                <a:ext cx="2335639" cy="622350"/>
               </a:xfrm>
               <a:prstGeom prst="rect">
                 <a:avLst/>
@@ -5097,6 +5344,12 @@
                           </m:ctrlPr>
                         </m:dPr>
                         <m:e>
+                          <m:r>
+                            <a:rPr lang="en-US" b="0" i="1" smtClean="0">
+                              <a:latin typeface="Cambria Math" panose="02040503050406030204" pitchFamily="18" charset="0"/>
+                            </a:rPr>
+                            <m:t>1−</m:t>
+                          </m:r>
                           <m:f>
                             <m:fPr>
                               <m:ctrlPr>
@@ -5107,31 +5360,63 @@
                             </m:fPr>
                             <m:num>
                               <m:r>
-                                <m:rPr>
-                                  <m:sty m:val="p"/>
-                                </m:rPr>
-                                <a:rPr lang="en-US" b="0" i="0" smtClean="0">
+                                <a:rPr lang="en-US" b="0" i="1" smtClean="0">
                                   <a:latin typeface="Cambria Math" panose="02040503050406030204" pitchFamily="18" charset="0"/>
                                 </a:rPr>
-                                <m:t>j</m:t>
+                                <m:t>𝑗</m:t>
                               </m:r>
-                              <m:r>
-                                <a:rPr lang="en-US" b="0" i="0" smtClean="0">
-                                  <a:latin typeface="Cambria Math" panose="02040503050406030204" pitchFamily="18" charset="0"/>
-                                </a:rPr>
-                                <m:t>−1/2</m:t>
-                              </m:r>
+                              <m:sSub>
+                                <m:sSubPr>
+                                  <m:ctrlPr>
+                                    <a:rPr lang="en-US" b="0" i="1" smtClean="0">
+                                      <a:latin typeface="Cambria Math" panose="02040503050406030204" pitchFamily="18" charset="0"/>
+                                    </a:rPr>
+                                  </m:ctrlPr>
+                                </m:sSubPr>
+                                <m:e>
+                                  <m:r>
+                                    <a:rPr lang="en-US" b="0" i="1" smtClean="0">
+                                      <a:latin typeface="Cambria Math" panose="02040503050406030204" pitchFamily="18" charset="0"/>
+                                    </a:rPr>
+                                    <m:t>𝜔</m:t>
+                                  </m:r>
+                                </m:e>
+                                <m:sub>
+                                  <m:r>
+                                    <a:rPr lang="en-US" b="0" i="1" smtClean="0">
+                                      <a:latin typeface="Cambria Math" panose="02040503050406030204" pitchFamily="18" charset="0"/>
+                                    </a:rPr>
+                                    <m:t>0</m:t>
+                                  </m:r>
+                                </m:sub>
+                              </m:sSub>
                             </m:num>
                             <m:den>
-                              <m:r>
-                                <m:rPr>
-                                  <m:sty m:val="p"/>
-                                </m:rPr>
-                                <a:rPr lang="en-US" b="0" i="0" smtClean="0">
-                                  <a:latin typeface="Cambria Math" panose="02040503050406030204" pitchFamily="18" charset="0"/>
-                                </a:rPr>
-                                <m:t>f</m:t>
-                              </m:r>
+                              <m:sSub>
+                                <m:sSubPr>
+                                  <m:ctrlPr>
+                                    <a:rPr lang="en-US" b="0" i="1" smtClean="0">
+                                      <a:latin typeface="Cambria Math" panose="02040503050406030204" pitchFamily="18" charset="0"/>
+                                    </a:rPr>
+                                  </m:ctrlPr>
+                                </m:sSubPr>
+                                <m:e>
+                                  <m:r>
+                                    <a:rPr lang="en-US" b="0" i="1" smtClean="0">
+                                      <a:latin typeface="Cambria Math" panose="02040503050406030204" pitchFamily="18" charset="0"/>
+                                    </a:rPr>
+                                    <m:t>𝜔</m:t>
+                                  </m:r>
+                                </m:e>
+                                <m:sub>
+                                  <m:r>
+                                    <a:rPr lang="en-US" b="0" i="1" smtClean="0">
+                                      <a:latin typeface="Cambria Math" panose="02040503050406030204" pitchFamily="18" charset="0"/>
+                                    </a:rPr>
+                                    <m:t>𝑐</m:t>
+                                  </m:r>
+                                </m:sub>
+                              </m:sSub>
                             </m:den>
                           </m:f>
                         </m:e>
@@ -5145,12 +5430,12 @@
                     </m:oMath>
                   </m:oMathPara>
                 </a14:m>
-                <a:endParaRPr lang="en-US" dirty="0"/>
+                <a:endParaRPr lang="en-US"/>
               </a:p>
             </p:txBody>
           </p:sp>
         </mc:Choice>
-        <mc:Fallback xmlns="">
+        <mc:Fallback>
           <p:sp>
             <p:nvSpPr>
               <p:cNvPr id="12" name="TextBox 11">
@@ -5168,7 +5453,7 @@
             <p:spPr>
               <a:xfrm>
                 <a:off x="1345100" y="3502601"/>
-                <a:ext cx="2240550" cy="531877"/>
+                <a:ext cx="2335639" cy="622350"/>
               </a:xfrm>
               <a:prstGeom prst="rect">
                 <a:avLst/>
@@ -5176,7 +5461,7 @@
               <a:blipFill>
                 <a:blip r:embed="rId6"/>
                 <a:stretch>
-                  <a:fillRect l="-1130" t="-4762" r="-3390" b="-14286"/>
+                  <a:fillRect/>
                 </a:stretch>
               </a:blipFill>
             </p:spPr>
@@ -5195,8 +5480,8 @@
           </p:sp>
         </mc:Fallback>
       </mc:AlternateContent>
-      <mc:AlternateContent xmlns:mc="http://schemas.openxmlformats.org/markup-compatibility/2006" xmlns:a14="http://schemas.microsoft.com/office/drawing/2010/main">
-        <mc:Choice Requires="a14">
+      <mc:AlternateContent xmlns:mc="http://schemas.openxmlformats.org/markup-compatibility/2006">
+        <mc:Choice xmlns:a14="http://schemas.microsoft.com/office/drawing/2010/main" Requires="a14">
           <p:sp>
             <p:nvSpPr>
               <p:cNvPr id="13" name="TextBox 12">
@@ -5212,7 +5497,7 @@
             <p:spPr>
               <a:xfrm>
                 <a:off x="1345100" y="4034478"/>
-                <a:ext cx="1967590" cy="721544"/>
+                <a:ext cx="2003433" cy="326308"/>
               </a:xfrm>
               <a:prstGeom prst="rect">
                 <a:avLst/>
@@ -5261,8 +5546,81 @@
                         <a:rPr lang="en-US" b="0" i="1" smtClean="0">
                           <a:latin typeface="Cambria Math" panose="02040503050406030204" pitchFamily="18" charset="0"/>
                         </a:rPr>
-                        <m:t>=</m:t>
+                        <m:t>′=√</m:t>
                       </m:r>
+                      <m:d>
+                        <m:dPr>
+                          <m:ctrlPr>
+                            <a:rPr lang="en-US" b="0" i="1" smtClean="0">
+                              <a:latin typeface="Cambria Math" panose="02040503050406030204" pitchFamily="18" charset="0"/>
+                            </a:rPr>
+                          </m:ctrlPr>
+                        </m:dPr>
+                        <m:e>
+                          <m:r>
+                            <a:rPr lang="en-US" b="0" i="1" smtClean="0">
+                              <a:latin typeface="Cambria Math" panose="02040503050406030204" pitchFamily="18" charset="0"/>
+                            </a:rPr>
+                            <m:t>𝜉</m:t>
+                          </m:r>
+                          <m:r>
+                            <a:rPr lang="en-US" b="0" i="1" smtClean="0">
+                              <a:latin typeface="Cambria Math" panose="02040503050406030204" pitchFamily="18" charset="0"/>
+                            </a:rPr>
+                            <m:t>ℏ</m:t>
+                          </m:r>
+                          <m:sSub>
+                            <m:sSubPr>
+                              <m:ctrlPr>
+                                <a:rPr lang="en-US" b="0" i="1" smtClean="0">
+                                  <a:latin typeface="Cambria Math" panose="02040503050406030204" pitchFamily="18" charset="0"/>
+                                </a:rPr>
+                              </m:ctrlPr>
+                            </m:sSubPr>
+                            <m:e>
+                              <m:r>
+                                <a:rPr lang="en-US" b="0" i="1" smtClean="0">
+                                  <a:latin typeface="Cambria Math" panose="02040503050406030204" pitchFamily="18" charset="0"/>
+                                </a:rPr>
+                                <m:t>𝜔</m:t>
+                              </m:r>
+                            </m:e>
+                            <m:sub>
+                              <m:r>
+                                <a:rPr lang="en-US" b="0" i="1" smtClean="0">
+                                  <a:latin typeface="Cambria Math" panose="02040503050406030204" pitchFamily="18" charset="0"/>
+                                </a:rPr>
+                                <m:t>0</m:t>
+                              </m:r>
+                            </m:sub>
+                          </m:sSub>
+                          <m:sSub>
+                            <m:sSubPr>
+                              <m:ctrlPr>
+                                <a:rPr lang="en-US" b="0" i="1" smtClean="0">
+                                  <a:latin typeface="Cambria Math" panose="02040503050406030204" pitchFamily="18" charset="0"/>
+                                </a:rPr>
+                              </m:ctrlPr>
+                            </m:sSubPr>
+                            <m:e>
+                              <m:r>
+                                <a:rPr lang="en-US" b="0" i="1" smtClean="0">
+                                  <a:latin typeface="Cambria Math" panose="02040503050406030204" pitchFamily="18" charset="0"/>
+                                </a:rPr>
+                                <m:t>𝑀</m:t>
+                              </m:r>
+                            </m:e>
+                            <m:sub>
+                              <m:r>
+                                <a:rPr lang="en-US" b="0" i="1" smtClean="0">
+                                  <a:latin typeface="Cambria Math" panose="02040503050406030204" pitchFamily="18" charset="0"/>
+                                </a:rPr>
+                                <m:t>𝐵</m:t>
+                              </m:r>
+                            </m:sub>
+                          </m:sSub>
+                        </m:e>
+                      </m:d>
                       <m:sSub>
                         <m:sSubPr>
                           <m:ctrlPr>
@@ -5288,151 +5646,15 @@
                           </m:r>
                         </m:sub>
                       </m:sSub>
-                      <m:sSup>
-                        <m:sSupPr>
-                          <m:ctrlPr>
-                            <a:rPr lang="en-US" b="0" i="1" smtClean="0">
-                              <a:latin typeface="Cambria Math" panose="02040503050406030204" pitchFamily="18" charset="0"/>
-                            </a:rPr>
-                          </m:ctrlPr>
-                        </m:sSupPr>
-                        <m:e>
-                          <m:d>
-                            <m:dPr>
-                              <m:ctrlPr>
-                                <a:rPr lang="en-US" b="0" i="1" smtClean="0">
-                                  <a:latin typeface="Cambria Math" panose="02040503050406030204" pitchFamily="18" charset="0"/>
-                                </a:rPr>
-                              </m:ctrlPr>
-                            </m:dPr>
-                            <m:e>
-                              <m:f>
-                                <m:fPr>
-                                  <m:ctrlPr>
-                                    <a:rPr lang="en-US" b="0" i="1" smtClean="0">
-                                      <a:latin typeface="Cambria Math" panose="02040503050406030204" pitchFamily="18" charset="0"/>
-                                    </a:rPr>
-                                  </m:ctrlPr>
-                                </m:fPr>
-                                <m:num>
-                                  <m:r>
-                                    <a:rPr lang="en-US" b="0" i="1" smtClean="0">
-                                      <a:latin typeface="Cambria Math" panose="02040503050406030204" pitchFamily="18" charset="0"/>
-                                    </a:rPr>
-                                    <m:t>2</m:t>
-                                  </m:r>
-                                  <m:r>
-                                    <a:rPr lang="en-US" b="0" i="1" smtClean="0">
-                                      <a:latin typeface="Cambria Math" panose="02040503050406030204" pitchFamily="18" charset="0"/>
-                                    </a:rPr>
-                                    <m:t>𝜂</m:t>
-                                  </m:r>
-                                  <m:sSub>
-                                    <m:sSubPr>
-                                      <m:ctrlPr>
-                                        <a:rPr lang="en-US" b="0" i="1" smtClean="0">
-                                          <a:latin typeface="Cambria Math" panose="02040503050406030204" pitchFamily="18" charset="0"/>
-                                        </a:rPr>
-                                      </m:ctrlPr>
-                                    </m:sSubPr>
-                                    <m:e>
-                                      <m:r>
-                                        <a:rPr lang="en-US" b="0" i="1" smtClean="0">
-                                          <a:latin typeface="Cambria Math" panose="02040503050406030204" pitchFamily="18" charset="0"/>
-                                        </a:rPr>
-                                        <m:t>𝑀</m:t>
-                                      </m:r>
-                                    </m:e>
-                                    <m:sub>
-                                      <m:r>
-                                        <a:rPr lang="en-US" b="0" i="1" smtClean="0">
-                                          <a:latin typeface="Cambria Math" panose="02040503050406030204" pitchFamily="18" charset="0"/>
-                                        </a:rPr>
-                                        <m:t>𝐵</m:t>
-                                      </m:r>
-                                    </m:sub>
-                                  </m:sSub>
-                                  <m:sSub>
-                                    <m:sSubPr>
-                                      <m:ctrlPr>
-                                        <a:rPr lang="en-US" b="0" i="1" smtClean="0">
-                                          <a:latin typeface="Cambria Math" panose="02040503050406030204" pitchFamily="18" charset="0"/>
-                                        </a:rPr>
-                                      </m:ctrlPr>
-                                    </m:sSubPr>
-                                    <m:e>
-                                      <m:r>
-                                        <a:rPr lang="en-US" b="0" i="1" smtClean="0">
-                                          <a:latin typeface="Cambria Math" panose="02040503050406030204" pitchFamily="18" charset="0"/>
-                                        </a:rPr>
-                                        <m:t>𝜔</m:t>
-                                      </m:r>
-                                    </m:e>
-                                    <m:sub>
-                                      <m:r>
-                                        <a:rPr lang="en-US" b="0" i="1" smtClean="0">
-                                          <a:latin typeface="Cambria Math" panose="02040503050406030204" pitchFamily="18" charset="0"/>
-                                        </a:rPr>
-                                        <m:t>𝑐</m:t>
-                                      </m:r>
-                                    </m:sub>
-                                  </m:sSub>
-                                </m:num>
-                                <m:den>
-                                  <m:r>
-                                    <a:rPr lang="en-US" b="0" i="1" smtClean="0">
-                                      <a:latin typeface="Cambria Math" panose="02040503050406030204" pitchFamily="18" charset="0"/>
-                                    </a:rPr>
-                                    <m:t>𝑓</m:t>
-                                  </m:r>
-                                  <m:r>
-                                    <a:rPr lang="en-US" b="0" i="1" smtClean="0">
-                                      <a:latin typeface="Cambria Math" panose="02040503050406030204" pitchFamily="18" charset="0"/>
-                                    </a:rPr>
-                                    <m:t>𝜋</m:t>
-                                  </m:r>
-                                </m:den>
-                              </m:f>
-                            </m:e>
-                          </m:d>
-                        </m:e>
-                        <m:sup>
-                          <m:f>
-                            <m:fPr>
-                              <m:ctrlPr>
-                                <a:rPr lang="en-US" b="0" i="1" smtClean="0">
-                                  <a:latin typeface="Cambria Math" panose="02040503050406030204" pitchFamily="18" charset="0"/>
-                                </a:rPr>
-                              </m:ctrlPr>
-                            </m:fPr>
-                            <m:num>
-                              <m:r>
-                                <a:rPr lang="en-US" b="0" i="1" smtClean="0">
-                                  <a:latin typeface="Cambria Math" panose="02040503050406030204" pitchFamily="18" charset="0"/>
-                                </a:rPr>
-                                <m:t>1</m:t>
-                              </m:r>
-                            </m:num>
-                            <m:den>
-                              <m:r>
-                                <a:rPr lang="en-US" b="0" i="1" smtClean="0">
-                                  <a:latin typeface="Cambria Math" panose="02040503050406030204" pitchFamily="18" charset="0"/>
-                                </a:rPr>
-                                <m:t>2</m:t>
-                              </m:r>
-                            </m:den>
-                          </m:f>
-                        </m:sup>
-                      </m:sSup>
                     </m:oMath>
                   </m:oMathPara>
                 </a14:m>
-                <a:endParaRPr lang="en-US" dirty="0"/>
+                <a:endParaRPr lang="en-US"/>
               </a:p>
             </p:txBody>
           </p:sp>
         </mc:Choice>
-        <mc:Fallback xmlns="">
+        <mc:Fallback>
           <p:sp>
             <p:nvSpPr>
               <p:cNvPr id="13" name="TextBox 12">
@@ -5450,7 +5672,7 @@
             <p:spPr>
               <a:xfrm>
                 <a:off x="1345100" y="4034478"/>
-                <a:ext cx="1967590" cy="721544"/>
+                <a:ext cx="2003433" cy="326308"/>
               </a:xfrm>
               <a:prstGeom prst="rect">
                 <a:avLst/>
@@ -5458,7 +5680,7 @@
               <a:blipFill>
                 <a:blip r:embed="rId7"/>
                 <a:stretch>
-                  <a:fillRect l="-1290" r="-645" b="-13793"/>
+                  <a:fillRect l="-1220" t="-9434" r="-1829" b="-24528"/>
                 </a:stretch>
               </a:blipFill>
             </p:spPr>
@@ -5506,7 +5728,7 @@
           <a:lstStyle/>
           <a:p>
             <a:r>
-              <a:rPr lang="en-US" sz="2200" dirty="0">
+              <a:rPr lang="en-US" sz="2200">
                 <a:solidFill>
                   <a:srgbClr val="FF0000"/>
                 </a:solidFill>
@@ -5516,8 +5738,8 @@
           </a:p>
         </p:txBody>
       </p:sp>
-      <mc:AlternateContent xmlns:mc="http://schemas.openxmlformats.org/markup-compatibility/2006" xmlns:a14="http://schemas.microsoft.com/office/drawing/2010/main">
-        <mc:Choice Requires="a14">
+      <mc:AlternateContent xmlns:mc="http://schemas.openxmlformats.org/markup-compatibility/2006">
+        <mc:Choice xmlns:a14="http://schemas.microsoft.com/office/drawing/2010/main" Requires="a14">
           <p:sp>
             <p:nvSpPr>
               <p:cNvPr id="52" name="TextBox 51">
@@ -5582,14 +5804,14 @@
                   </m:oMath>
                 </a14:m>
                 <a:r>
-                  <a:rPr lang="en-US" dirty="0"/>
+                  <a:rPr lang="en-US"/>
                   <a:t> Mass of the nuclear DOF.</a:t>
                 </a:r>
               </a:p>
             </p:txBody>
           </p:sp>
         </mc:Choice>
-        <mc:Fallback xmlns="">
+        <mc:Fallback>
           <p:sp>
             <p:nvSpPr>
               <p:cNvPr id="52" name="TextBox 51">
@@ -5615,7 +5837,7 @@
               <a:blipFill>
                 <a:blip r:embed="rId8"/>
                 <a:stretch>
-                  <a:fillRect l="-2532" t="-21739" r="-844" b="-47826"/>
+                  <a:fillRect l="-2851" t="-28261" r="-1018" b="-50000"/>
                 </a:stretch>
               </a:blipFill>
             </p:spPr>
@@ -5634,8 +5856,8 @@
           </p:sp>
         </mc:Fallback>
       </mc:AlternateContent>
-      <mc:AlternateContent xmlns:mc="http://schemas.openxmlformats.org/markup-compatibility/2006" xmlns:a14="http://schemas.microsoft.com/office/drawing/2010/main">
-        <mc:Choice Requires="a14">
+      <mc:AlternateContent xmlns:mc="http://schemas.openxmlformats.org/markup-compatibility/2006">
+        <mc:Choice xmlns:a14="http://schemas.microsoft.com/office/drawing/2010/main" Requires="a14">
           <p:sp>
             <p:nvSpPr>
               <p:cNvPr id="53" name="Rectangle 52">
@@ -5680,14 +5902,14 @@
                   </m:oMath>
                 </a14:m>
                 <a:r>
-                  <a:rPr lang="en-US" dirty="0"/>
+                  <a:rPr lang="en-US"/>
                   <a:t>  frequency of the nuclear DOF.</a:t>
                 </a:r>
               </a:p>
             </p:txBody>
           </p:sp>
         </mc:Choice>
-        <mc:Fallback xmlns="">
+        <mc:Fallback>
           <p:sp>
             <p:nvSpPr>
               <p:cNvPr id="53" name="Rectangle 52">
@@ -5713,7 +5935,7 @@
               <a:blipFill>
                 <a:blip r:embed="rId9"/>
                 <a:stretch>
-                  <a:fillRect t="-6667" r="-362" b="-26667"/>
+                  <a:fillRect t="-8197" r="-348" b="-24590"/>
                 </a:stretch>
               </a:blipFill>
             </p:spPr>
@@ -5732,8 +5954,8 @@
           </p:sp>
         </mc:Fallback>
       </mc:AlternateContent>
-      <mc:AlternateContent xmlns:mc="http://schemas.openxmlformats.org/markup-compatibility/2006" xmlns:a14="http://schemas.microsoft.com/office/drawing/2010/main">
-        <mc:Choice Requires="a14">
+      <mc:AlternateContent xmlns:mc="http://schemas.openxmlformats.org/markup-compatibility/2006">
+        <mc:Choice xmlns:a14="http://schemas.microsoft.com/office/drawing/2010/main" Requires="a14">
           <p:sp>
             <p:nvSpPr>
               <p:cNvPr id="54" name="Rectangle 53">
@@ -5797,14 +6019,14 @@
                   </m:oMath>
                 </a14:m>
                 <a:r>
-                  <a:rPr lang="en-US" dirty="0"/>
+                  <a:rPr lang="en-US"/>
                   <a:t>  Harmonic oscillator shift.</a:t>
                 </a:r>
               </a:p>
             </p:txBody>
           </p:sp>
         </mc:Choice>
-        <mc:Fallback xmlns="">
+        <mc:Fallback>
           <p:sp>
             <p:nvSpPr>
               <p:cNvPr id="54" name="Rectangle 53">
@@ -5830,7 +6052,7 @@
               <a:blipFill>
                 <a:blip r:embed="rId10"/>
                 <a:stretch>
-                  <a:fillRect t="-6667" r="-833" b="-26667"/>
+                  <a:fillRect t="-8197" r="-1202" b="-24590"/>
                 </a:stretch>
               </a:blipFill>
             </p:spPr>
@@ -5849,8 +6071,8 @@
           </p:sp>
         </mc:Fallback>
       </mc:AlternateContent>
-      <mc:AlternateContent xmlns:mc="http://schemas.openxmlformats.org/markup-compatibility/2006" xmlns:a14="http://schemas.microsoft.com/office/drawing/2010/main">
-        <mc:Choice Requires="a14">
+      <mc:AlternateContent xmlns:mc="http://schemas.openxmlformats.org/markup-compatibility/2006">
+        <mc:Choice xmlns:a14="http://schemas.microsoft.com/office/drawing/2010/main" Requires="a14">
           <p:sp>
             <p:nvSpPr>
               <p:cNvPr id="55" name="TextBox 54">
@@ -5880,7 +6102,7 @@
               <a:lstStyle/>
               <a:p>
                 <a:r>
-                  <a:rPr lang="en-US" b="0" i="1" dirty="0"/>
+                  <a:rPr lang="en-US" b="0" i="1"/>
                   <a:t>R </a:t>
                 </a:r>
                 <a14:m>
@@ -5903,18 +6125,18 @@
                   </m:oMath>
                 </a14:m>
                 <a:r>
-                  <a:rPr lang="en-US" dirty="0" err="1"/>
+                  <a:rPr lang="en-US" err="1"/>
                   <a:t>uclear</a:t>
                 </a:r>
                 <a:r>
-                  <a:rPr lang="en-US" dirty="0"/>
+                  <a:rPr lang="en-US"/>
                   <a:t> DOF.</a:t>
                 </a:r>
               </a:p>
             </p:txBody>
           </p:sp>
         </mc:Choice>
-        <mc:Fallback xmlns="">
+        <mc:Fallback>
           <p:sp>
             <p:nvSpPr>
               <p:cNvPr id="55" name="TextBox 54">
@@ -5940,7 +6162,7 @@
               <a:blipFill>
                 <a:blip r:embed="rId11"/>
                 <a:stretch>
-                  <a:fillRect l="-7746" t="-21739" r="-4225" b="-52174"/>
+                  <a:fillRect l="-8163" t="-28889" r="-4422" b="-51111"/>
                 </a:stretch>
               </a:blipFill>
             </p:spPr>
@@ -5959,8 +6181,8 @@
           </p:sp>
         </mc:Fallback>
       </mc:AlternateContent>
-      <mc:AlternateContent xmlns:mc="http://schemas.openxmlformats.org/markup-compatibility/2006" xmlns:a14="http://schemas.microsoft.com/office/drawing/2010/main">
-        <mc:Choice Requires="a14">
+      <mc:AlternateContent xmlns:mc="http://schemas.openxmlformats.org/markup-compatibility/2006">
+        <mc:Choice xmlns:a14="http://schemas.microsoft.com/office/drawing/2010/main" Requires="a14">
           <p:sp>
             <p:nvSpPr>
               <p:cNvPr id="56" name="Rectangle 55">
@@ -6024,14 +6246,14 @@
                   </m:oMath>
                 </a14:m>
                 <a:r>
-                  <a:rPr lang="en-US" dirty="0"/>
+                  <a:rPr lang="en-US"/>
                   <a:t>  energy bias.</a:t>
                 </a:r>
               </a:p>
             </p:txBody>
           </p:sp>
         </mc:Choice>
-        <mc:Fallback xmlns="">
+        <mc:Fallback>
           <p:sp>
             <p:nvSpPr>
               <p:cNvPr id="56" name="Rectangle 55">
@@ -6057,7 +6279,7 @@
               <a:blipFill>
                 <a:blip r:embed="rId12"/>
                 <a:stretch>
-                  <a:fillRect t="-6667" b="-26667"/>
+                  <a:fillRect t="-10000" b="-26667"/>
                 </a:stretch>
               </a:blipFill>
             </p:spPr>
@@ -6076,8 +6298,8 @@
           </p:sp>
         </mc:Fallback>
       </mc:AlternateContent>
-      <mc:AlternateContent xmlns:mc="http://schemas.openxmlformats.org/markup-compatibility/2006" xmlns:a14="http://schemas.microsoft.com/office/drawing/2010/main">
-        <mc:Choice Requires="a14">
+      <mc:AlternateContent xmlns:mc="http://schemas.openxmlformats.org/markup-compatibility/2006">
+        <mc:Choice xmlns:a14="http://schemas.microsoft.com/office/drawing/2010/main" Requires="a14">
           <p:sp>
             <p:nvSpPr>
               <p:cNvPr id="57" name="Rectangle 56">
@@ -6122,14 +6344,14 @@
                   </m:oMath>
                 </a14:m>
                 <a:r>
-                  <a:rPr lang="en-US" dirty="0"/>
+                  <a:rPr lang="en-US"/>
                   <a:t>  Bath modes.</a:t>
                 </a:r>
               </a:p>
             </p:txBody>
           </p:sp>
         </mc:Choice>
-        <mc:Fallback xmlns="">
+        <mc:Fallback>
           <p:sp>
             <p:nvSpPr>
               <p:cNvPr id="57" name="Rectangle 56">
@@ -6155,7 +6377,7 @@
               <a:blipFill>
                 <a:blip r:embed="rId13"/>
                 <a:stretch>
-                  <a:fillRect l="-680" t="-6667" r="-2041" b="-26667"/>
+                  <a:fillRect l="-654" t="-8197" r="-2288" b="-24590"/>
                 </a:stretch>
               </a:blipFill>
             </p:spPr>
@@ -6174,8 +6396,8 @@
           </p:sp>
         </mc:Fallback>
       </mc:AlternateContent>
-      <mc:AlternateContent xmlns:mc="http://schemas.openxmlformats.org/markup-compatibility/2006" xmlns:a14="http://schemas.microsoft.com/office/drawing/2010/main">
-        <mc:Choice Requires="a14">
+      <mc:AlternateContent xmlns:mc="http://schemas.openxmlformats.org/markup-compatibility/2006">
+        <mc:Choice xmlns:a14="http://schemas.microsoft.com/office/drawing/2010/main" Requires="a14">
           <p:sp>
             <p:nvSpPr>
               <p:cNvPr id="58" name="Rectangle 57">
@@ -6191,7 +6413,7 @@
             <p:spPr>
               <a:xfrm>
                 <a:off x="6083300" y="5541105"/>
-                <a:ext cx="2312749" cy="369332"/>
+                <a:ext cx="2303836" cy="369332"/>
               </a:xfrm>
               <a:prstGeom prst="rect">
                 <a:avLst/>
@@ -6209,7 +6431,7 @@
                       <a:rPr lang="en-US" b="0" i="1" smtClean="0">
                         <a:latin typeface="Cambria Math" panose="02040503050406030204" pitchFamily="18" charset="0"/>
                       </a:rPr>
-                      <m:t>𝜂</m:t>
+                      <m:t>𝜉</m:t>
                     </m:r>
                     <m:r>
                       <a:rPr lang="en-US" b="0" i="1" smtClean="0">
@@ -6220,14 +6442,14 @@
                   </m:oMath>
                 </a14:m>
                 <a:r>
-                  <a:rPr lang="en-US" dirty="0"/>
+                  <a:rPr lang="en-US"/>
                   <a:t>  Friction strength .</a:t>
                 </a:r>
               </a:p>
             </p:txBody>
           </p:sp>
         </mc:Choice>
-        <mc:Fallback xmlns="">
+        <mc:Fallback>
           <p:sp>
             <p:nvSpPr>
               <p:cNvPr id="58" name="Rectangle 57">
@@ -6245,7 +6467,7 @@
             <p:spPr>
               <a:xfrm>
                 <a:off x="6083300" y="5541105"/>
-                <a:ext cx="2312749" cy="369332"/>
+                <a:ext cx="2303836" cy="369332"/>
               </a:xfrm>
               <a:prstGeom prst="rect">
                 <a:avLst/>
@@ -6253,7 +6475,7 @@
               <a:blipFill>
                 <a:blip r:embed="rId14"/>
                 <a:stretch>
-                  <a:fillRect t="-6667" r="-1648" b="-26667"/>
+                  <a:fillRect l="-794" t="-9836" r="-1323" b="-24590"/>
                 </a:stretch>
               </a:blipFill>
             </p:spPr>
@@ -6272,8 +6494,8 @@
           </p:sp>
         </mc:Fallback>
       </mc:AlternateContent>
-      <mc:AlternateContent xmlns:mc="http://schemas.openxmlformats.org/markup-compatibility/2006" xmlns:a14="http://schemas.microsoft.com/office/drawing/2010/main">
-        <mc:Choice Requires="a14">
+      <mc:AlternateContent xmlns:mc="http://schemas.openxmlformats.org/markup-compatibility/2006">
+        <mc:Choice xmlns:a14="http://schemas.microsoft.com/office/drawing/2010/main" Requires="a14">
           <p:sp>
             <p:nvSpPr>
               <p:cNvPr id="59" name="Rectangle 58">
@@ -6318,14 +6540,14 @@
                   </m:oMath>
                 </a14:m>
                 <a:r>
-                  <a:rPr lang="en-US" dirty="0"/>
+                  <a:rPr lang="en-US"/>
                   <a:t>  total number of  bath modes.</a:t>
                 </a:r>
               </a:p>
             </p:txBody>
           </p:sp>
         </mc:Choice>
-        <mc:Fallback xmlns="">
+        <mc:Fallback>
           <p:sp>
             <p:nvSpPr>
               <p:cNvPr id="59" name="Rectangle 58">
@@ -6351,7 +6573,7 @@
               <a:blipFill>
                 <a:blip r:embed="rId15"/>
                 <a:stretch>
-                  <a:fillRect l="-741" t="-6667" r="-370" b="-26667"/>
+                  <a:fillRect l="-535" t="-8197" r="-713" b="-24590"/>
                 </a:stretch>
               </a:blipFill>
             </p:spPr>
@@ -6370,8 +6592,8 @@
           </p:sp>
         </mc:Fallback>
       </mc:AlternateContent>
-      <mc:AlternateContent xmlns:mc="http://schemas.openxmlformats.org/markup-compatibility/2006" xmlns:a14="http://schemas.microsoft.com/office/drawing/2010/main">
-        <mc:Choice Requires="a14">
+      <mc:AlternateContent xmlns:mc="http://schemas.openxmlformats.org/markup-compatibility/2006">
+        <mc:Choice xmlns:a14="http://schemas.microsoft.com/office/drawing/2010/main" Requires="a14">
           <p:sp>
             <p:nvSpPr>
               <p:cNvPr id="60" name="Rectangle 59">
@@ -6435,14 +6657,14 @@
                   </m:oMath>
                 </a14:m>
                 <a:r>
-                  <a:rPr lang="en-US" dirty="0"/>
+                  <a:rPr lang="en-US"/>
                   <a:t> Mass of the bath modes.</a:t>
                 </a:r>
               </a:p>
             </p:txBody>
           </p:sp>
         </mc:Choice>
-        <mc:Fallback xmlns="">
+        <mc:Fallback>
           <p:sp>
             <p:nvSpPr>
               <p:cNvPr id="60" name="Rectangle 59">
@@ -6468,7 +6690,7 @@
               <a:blipFill>
                 <a:blip r:embed="rId16"/>
                 <a:stretch>
-                  <a:fillRect t="-6667" b="-26667"/>
+                  <a:fillRect t="-8197" b="-24590"/>
                 </a:stretch>
               </a:blipFill>
             </p:spPr>
@@ -6487,8 +6709,8 @@
           </p:sp>
         </mc:Fallback>
       </mc:AlternateContent>
-      <mc:AlternateContent xmlns:mc="http://schemas.openxmlformats.org/markup-compatibility/2006" xmlns:a14="http://schemas.microsoft.com/office/drawing/2010/main">
-        <mc:Choice Requires="a14">
+      <mc:AlternateContent xmlns:mc="http://schemas.openxmlformats.org/markup-compatibility/2006">
+        <mc:Choice xmlns:a14="http://schemas.microsoft.com/office/drawing/2010/main" Requires="a14">
           <p:sp>
             <p:nvSpPr>
               <p:cNvPr id="61" name="Rectangle 60">
@@ -6568,7 +6790,7 @@
                   </m:oMath>
                 </a14:m>
                 <a:r>
-                  <a:rPr lang="en-US" dirty="0"/>
+                  <a:rPr lang="en-US"/>
                   <a:t>the frequency for the each bath modes and </a:t>
                 </a:r>
                 <a14:m>
@@ -6601,29 +6823,29 @@
                   </m:oMath>
                 </a14:m>
                 <a:r>
-                  <a:rPr lang="en-US" dirty="0"/>
+                  <a:rPr lang="en-US"/>
                   <a:t> is the coupling with bath and nuclear </a:t>
                 </a:r>
                 <a:r>
-                  <a:rPr lang="en-US" dirty="0" err="1"/>
+                  <a:rPr lang="en-US" err="1"/>
                   <a:t>dof’s</a:t>
                 </a:r>
                 <a:r>
-                  <a:rPr lang="en-US" dirty="0"/>
+                  <a:rPr lang="en-US"/>
                   <a:t> characterized by the given spectral </a:t>
                 </a:r>
               </a:p>
               <a:p>
                 <a:pPr algn="just"/>
                 <a:r>
-                  <a:rPr lang="en-US" dirty="0"/>
+                  <a:rPr lang="en-US"/>
                   <a:t>density</a:t>
                 </a:r>
               </a:p>
             </p:txBody>
           </p:sp>
         </mc:Choice>
-        <mc:Fallback xmlns="">
+        <mc:Fallback>
           <p:sp>
             <p:nvSpPr>
               <p:cNvPr id="61" name="Rectangle 60">
@@ -6649,7 +6871,7 @@
               <a:blipFill>
                 <a:blip r:embed="rId17"/>
                 <a:stretch>
-                  <a:fillRect l="-1399" t="-1653" r="-1399" b="-5785"/>
+                  <a:fillRect l="-1513" t="-2000" r="-1345" b="-5200"/>
                 </a:stretch>
               </a:blipFill>
             </p:spPr>
@@ -6779,7 +7001,7 @@
           <a:lstStyle/>
           <a:p>
             <a:r>
-              <a:rPr lang="en-US" sz="2200" dirty="0">
+              <a:rPr lang="en-US" sz="2200">
                 <a:solidFill>
                   <a:srgbClr val="FF0000"/>
                 </a:solidFill>
@@ -6848,7 +7070,7 @@
           <a:lstStyle/>
           <a:p>
             <a:r>
-              <a:rPr lang="en-US" sz="2400" dirty="0">
+              <a:rPr lang="en-US" sz="2400">
                 <a:latin typeface="Helvetica" pitchFamily="2" charset="0"/>
               </a:rPr>
               <a:t>Potential (eV)</a:t>
@@ -6885,19 +7107,19 @@
           <a:lstStyle/>
           <a:p>
             <a:r>
-              <a:rPr lang="en-US" sz="2400" dirty="0">
+              <a:rPr lang="en-US" sz="2400">
                 <a:latin typeface="Helvetica" pitchFamily="2" charset="0"/>
               </a:rPr>
               <a:t>R (</a:t>
             </a:r>
             <a:r>
-              <a:rPr lang="en-US" sz="2400" dirty="0" err="1">
+              <a:rPr lang="en-US" sz="2400" err="1">
                 <a:latin typeface="Helvetica" pitchFamily="2" charset="0"/>
               </a:rPr>
               <a:t>a.u</a:t>
             </a:r>
             <a:r>
-              <a:rPr lang="en-US" sz="2400" dirty="0">
+              <a:rPr lang="en-US" sz="2400">
                 <a:latin typeface="Helvetica" pitchFamily="2" charset="0"/>
               </a:rPr>
               <a:t>.)</a:t>
@@ -7028,8 +7250,8 @@
           </a:fontRef>
         </p:style>
       </p:cxnSp>
-      <mc:AlternateContent xmlns:mc="http://schemas.openxmlformats.org/markup-compatibility/2006" xmlns:a14="http://schemas.microsoft.com/office/drawing/2010/main">
-        <mc:Choice Requires="a14">
+      <mc:AlternateContent xmlns:mc="http://schemas.openxmlformats.org/markup-compatibility/2006">
+        <mc:Choice xmlns:a14="http://schemas.microsoft.com/office/drawing/2010/main" Requires="a14">
           <p:sp>
             <p:nvSpPr>
               <p:cNvPr id="11" name="TextBox 10">
@@ -7045,7 +7267,7 @@
             <p:spPr>
               <a:xfrm>
                 <a:off x="1966870" y="713557"/>
-                <a:ext cx="681149" cy="215444"/>
+                <a:ext cx="1528819" cy="215444"/>
               </a:xfrm>
               <a:prstGeom prst="rect">
                 <a:avLst/>
@@ -7053,7 +7275,7 @@
               <a:noFill/>
             </p:spPr>
             <p:txBody>
-              <a:bodyPr wrap="none" lIns="0" tIns="0" rIns="0" bIns="0" rtlCol="0">
+              <a:bodyPr wrap="square" lIns="0" tIns="0" rIns="0" bIns="0" rtlCol="0">
                 <a:spAutoFit/>
               </a:bodyPr>
               <a:lstStyle/>
@@ -7190,7 +7412,7 @@
                     </m:oMath>
                   </m:oMathPara>
                 </a14:m>
-                <a:endParaRPr lang="en-US" sz="1400" dirty="0">
+                <a:endParaRPr lang="en-US" sz="1400">
                   <a:solidFill>
                     <a:srgbClr val="FF0000"/>
                   </a:solidFill>
@@ -7200,7 +7422,7 @@
             </p:txBody>
           </p:sp>
         </mc:Choice>
-        <mc:Fallback xmlns="">
+        <mc:Fallback>
           <p:sp>
             <p:nvSpPr>
               <p:cNvPr id="11" name="TextBox 10">
@@ -7218,7 +7440,7 @@
             <p:spPr>
               <a:xfrm>
                 <a:off x="1966870" y="713557"/>
-                <a:ext cx="681149" cy="215444"/>
+                <a:ext cx="1528819" cy="215444"/>
               </a:xfrm>
               <a:prstGeom prst="rect">
                 <a:avLst/>
@@ -7226,7 +7448,7 @@
               <a:blipFill>
                 <a:blip r:embed="rId3"/>
                 <a:stretch>
-                  <a:fillRect l="-9259" t="-176471" r="-35185" b="-270588"/>
+                  <a:fillRect t="-165714" b="-257143"/>
                 </a:stretch>
               </a:blipFill>
             </p:spPr>
@@ -7245,8 +7467,8 @@
           </p:sp>
         </mc:Fallback>
       </mc:AlternateContent>
-      <mc:AlternateContent xmlns:mc="http://schemas.openxmlformats.org/markup-compatibility/2006" xmlns:a14="http://schemas.microsoft.com/office/drawing/2010/main">
-        <mc:Choice Requires="a14">
+      <mc:AlternateContent xmlns:mc="http://schemas.openxmlformats.org/markup-compatibility/2006">
+        <mc:Choice xmlns:a14="http://schemas.microsoft.com/office/drawing/2010/main" Requires="a14">
           <p:sp>
             <p:nvSpPr>
               <p:cNvPr id="12" name="TextBox 11">
@@ -7407,7 +7629,7 @@
                     </m:oMath>
                   </m:oMathPara>
                 </a14:m>
-                <a:endParaRPr lang="en-US" sz="1400" dirty="0">
+                <a:endParaRPr lang="en-US" sz="1400">
                   <a:solidFill>
                     <a:srgbClr val="2980BA"/>
                   </a:solidFill>
@@ -7417,7 +7639,7 @@
             </p:txBody>
           </p:sp>
         </mc:Choice>
-        <mc:Fallback xmlns="">
+        <mc:Fallback>
           <p:sp>
             <p:nvSpPr>
               <p:cNvPr id="12" name="TextBox 11">
@@ -7443,7 +7665,7 @@
               <a:blipFill>
                 <a:blip r:embed="rId4"/>
                 <a:stretch>
-                  <a:fillRect l="-9259" t="-182353" r="-37037" b="-264706"/>
+                  <a:fillRect l="-7143" t="-168571" r="-61607" b="-254286"/>
                 </a:stretch>
               </a:blipFill>
             </p:spPr>
@@ -7462,8 +7684,8 @@
           </p:sp>
         </mc:Fallback>
       </mc:AlternateContent>
-      <mc:AlternateContent xmlns:mc="http://schemas.openxmlformats.org/markup-compatibility/2006" xmlns:a14="http://schemas.microsoft.com/office/drawing/2010/main">
-        <mc:Choice Requires="a14">
+      <mc:AlternateContent xmlns:mc="http://schemas.openxmlformats.org/markup-compatibility/2006">
+        <mc:Choice xmlns:a14="http://schemas.microsoft.com/office/drawing/2010/main" Requires="a14">
           <p:sp>
             <p:nvSpPr>
               <p:cNvPr id="13" name="TextBox 12">
@@ -7649,7 +7871,7 @@
                     </m:oMath>
                   </m:oMathPara>
                 </a14:m>
-                <a:endParaRPr lang="en-US" sz="1400" dirty="0">
+                <a:endParaRPr lang="en-US" sz="1400">
                   <a:solidFill>
                     <a:srgbClr val="2ECC70"/>
                   </a:solidFill>
@@ -7659,7 +7881,7 @@
             </p:txBody>
           </p:sp>
         </mc:Choice>
-        <mc:Fallback xmlns="">
+        <mc:Fallback>
           <p:sp>
             <p:nvSpPr>
               <p:cNvPr id="13" name="TextBox 12">
@@ -7685,7 +7907,7 @@
               <a:blipFill>
                 <a:blip r:embed="rId5"/>
                 <a:stretch>
-                  <a:fillRect l="-6250" t="-176471" r="-29688" b="-264706"/>
+                  <a:fillRect l="-6061" t="-168571" r="-52273" b="-254286"/>
                 </a:stretch>
               </a:blipFill>
             </p:spPr>
@@ -7867,7 +8089,7 @@
           <a:lstStyle/>
           <a:p>
             <a:pPr algn="ctr"/>
-            <a:endParaRPr lang="en-US" dirty="0"/>
+            <a:endParaRPr lang="en-US"/>
           </a:p>
         </p:txBody>
       </p:sp>
@@ -8037,15 +8259,15 @@
           <a:lstStyle/>
           <a:p>
             <a:r>
-              <a:rPr lang="en-US" sz="2000" dirty="0"/>
+              <a:rPr lang="en-US" sz="2000"/>
               <a:t>Details of the system parameters : (in </a:t>
             </a:r>
             <a:r>
-              <a:rPr lang="en-US" sz="2000" dirty="0" err="1"/>
+              <a:rPr lang="en-US" sz="2000" err="1"/>
               <a:t>a.u</a:t>
             </a:r>
             <a:r>
-              <a:rPr lang="en-US" sz="2000" dirty="0"/>
+              <a:rPr lang="en-US" sz="2000"/>
               <a:t>.)</a:t>
             </a:r>
           </a:p>
@@ -8080,21 +8302,21 @@
           <a:lstStyle/>
           <a:p>
             <a:r>
-              <a:rPr lang="en-US" dirty="0" err="1">
+              <a:rPr lang="en-US" err="1">
                 <a:latin typeface="Times New Roman" panose="02020603050405020304" pitchFamily="18" charset="0"/>
                 <a:cs typeface="Times New Roman" panose="02020603050405020304" pitchFamily="18" charset="0"/>
               </a:rPr>
               <a:t>M</a:t>
             </a:r>
             <a:r>
-              <a:rPr lang="en-US" baseline="-25000" dirty="0" err="1">
+              <a:rPr lang="en-US" baseline="-25000" err="1">
                 <a:latin typeface="Times New Roman" panose="02020603050405020304" pitchFamily="18" charset="0"/>
                 <a:cs typeface="Times New Roman" panose="02020603050405020304" pitchFamily="18" charset="0"/>
               </a:rPr>
               <a:t>s</a:t>
             </a:r>
             <a:r>
-              <a:rPr lang="en-US" dirty="0">
+              <a:rPr lang="en-US">
                 <a:latin typeface="Times New Roman" panose="02020603050405020304" pitchFamily="18" charset="0"/>
                 <a:cs typeface="Times New Roman" panose="02020603050405020304" pitchFamily="18" charset="0"/>
               </a:rPr>
@@ -8117,7 +8339,7 @@
         </p:nvSpPr>
         <p:spPr>
           <a:xfrm>
-            <a:off x="2674079" y="31487"/>
+            <a:off x="7282892" y="5509147"/>
             <a:ext cx="3815468" cy="923330"/>
           </a:xfrm>
           <a:prstGeom prst="rect">
@@ -8132,21 +8354,21 @@
           <a:lstStyle/>
           <a:p>
             <a:r>
-              <a:rPr lang="en-US" dirty="0">
+              <a:rPr lang="en-US">
                 <a:latin typeface="Times New Roman" panose="02020603050405020304" pitchFamily="18" charset="0"/>
                 <a:cs typeface="Times New Roman" panose="02020603050405020304" pitchFamily="18" charset="0"/>
               </a:rPr>
               <a:t>Initial photo-excitation at R</a:t>
             </a:r>
             <a:r>
-              <a:rPr lang="en-US" baseline="-25000" dirty="0">
+              <a:rPr lang="en-US" baseline="-25000">
                 <a:latin typeface="Times New Roman" panose="02020603050405020304" pitchFamily="18" charset="0"/>
                 <a:cs typeface="Times New Roman" panose="02020603050405020304" pitchFamily="18" charset="0"/>
               </a:rPr>
               <a:t>0</a:t>
             </a:r>
             <a:r>
-              <a:rPr lang="en-US" dirty="0">
+              <a:rPr lang="en-US">
                 <a:latin typeface="Times New Roman" panose="02020603050405020304" pitchFamily="18" charset="0"/>
                 <a:cs typeface="Times New Roman" panose="02020603050405020304" pitchFamily="18" charset="0"/>
               </a:rPr>
@@ -8155,7 +8377,7 @@
           </a:p>
           <a:p>
             <a:r>
-              <a:rPr lang="en-US" dirty="0">
+              <a:rPr lang="en-US">
                 <a:latin typeface="Times New Roman" panose="02020603050405020304" pitchFamily="18" charset="0"/>
                 <a:cs typeface="Times New Roman" panose="02020603050405020304" pitchFamily="18" charset="0"/>
               </a:rPr>
@@ -8163,7 +8385,7 @@
             </a:r>
           </a:p>
           <a:p>
-            <a:endParaRPr lang="en-US" dirty="0">
+            <a:endParaRPr lang="en-US">
               <a:latin typeface="Times New Roman" panose="02020603050405020304" pitchFamily="18" charset="0"/>
               <a:cs typeface="Times New Roman" panose="02020603050405020304" pitchFamily="18" charset="0"/>
             </a:endParaRPr>
@@ -8199,22 +8421,22 @@
           <a:lstStyle/>
           <a:p>
             <a:r>
-              <a:rPr lang="en-US" sz="2000" dirty="0"/>
+              <a:rPr lang="en-US" sz="2000"/>
               <a:t>Details of the bath parameters : (in </a:t>
             </a:r>
             <a:r>
-              <a:rPr lang="en-US" sz="2000" dirty="0" err="1"/>
+              <a:rPr lang="en-US" sz="2000" err="1"/>
               <a:t>a.u</a:t>
             </a:r>
             <a:r>
-              <a:rPr lang="en-US" sz="2000" dirty="0"/>
+              <a:rPr lang="en-US" sz="2000"/>
               <a:t>.)</a:t>
             </a:r>
           </a:p>
         </p:txBody>
       </p:sp>
-      <mc:AlternateContent xmlns:mc="http://schemas.openxmlformats.org/markup-compatibility/2006" xmlns:a14="http://schemas.microsoft.com/office/drawing/2010/main">
-        <mc:Choice Requires="a14">
+      <mc:AlternateContent xmlns:mc="http://schemas.openxmlformats.org/markup-compatibility/2006">
+        <mc:Choice xmlns:a14="http://schemas.microsoft.com/office/drawing/2010/main" Requires="a14">
           <p:sp>
             <p:nvSpPr>
               <p:cNvPr id="53" name="TextBox 52">
@@ -8230,7 +8452,7 @@
             <p:spPr>
               <a:xfrm>
                 <a:off x="1738377" y="5089437"/>
-                <a:ext cx="1685783" cy="276999"/>
+                <a:ext cx="1814023" cy="276999"/>
               </a:xfrm>
               <a:prstGeom prst="rect">
                 <a:avLst/>
@@ -8279,17 +8501,17 @@
                         <a:rPr lang="en-US" b="0" i="1" smtClean="0">
                           <a:latin typeface="Cambria Math" panose="02040503050406030204" pitchFamily="18" charset="0"/>
                         </a:rPr>
-                        <m:t>=0.0013669</m:t>
+                        <m:t>=0.00034173</m:t>
                       </m:r>
                     </m:oMath>
                   </m:oMathPara>
                 </a14:m>
-                <a:endParaRPr lang="en-US" b="0" dirty="0"/>
+                <a:endParaRPr lang="en-US" b="0"/>
               </a:p>
             </p:txBody>
           </p:sp>
         </mc:Choice>
-        <mc:Fallback xmlns="">
+        <mc:Fallback>
           <p:sp>
             <p:nvSpPr>
               <p:cNvPr id="53" name="TextBox 52">
@@ -8307,15 +8529,15 @@
             <p:spPr>
               <a:xfrm>
                 <a:off x="1738377" y="5089437"/>
-                <a:ext cx="1685783" cy="276999"/>
+                <a:ext cx="1814023" cy="276999"/>
               </a:xfrm>
               <a:prstGeom prst="rect">
                 <a:avLst/>
               </a:prstGeom>
               <a:blipFill>
-                <a:blip r:embed="rId16"/>
+                <a:blip r:embed="rId7"/>
                 <a:stretch>
-                  <a:fillRect l="-1493" r="-2985" b="-8696"/>
+                  <a:fillRect l="-1342" r="-3020" b="-11111"/>
                 </a:stretch>
               </a:blipFill>
             </p:spPr>
@@ -8334,8 +8556,8 @@
           </p:sp>
         </mc:Fallback>
       </mc:AlternateContent>
-      <mc:AlternateContent xmlns:mc="http://schemas.openxmlformats.org/markup-compatibility/2006" xmlns:a14="http://schemas.microsoft.com/office/drawing/2010/main">
-        <mc:Choice Requires="a14">
+      <mc:AlternateContent xmlns:mc="http://schemas.openxmlformats.org/markup-compatibility/2006">
+        <mc:Choice xmlns:a14="http://schemas.microsoft.com/office/drawing/2010/main" Requires="a14">
           <p:sp>
             <p:nvSpPr>
               <p:cNvPr id="54" name="TextBox 53">
@@ -8405,12 +8627,12 @@
                     </m:oMath>
                   </m:oMathPara>
                 </a14:m>
-                <a:endParaRPr lang="en-US" b="0" dirty="0"/>
+                <a:endParaRPr lang="en-US" b="0"/>
               </a:p>
             </p:txBody>
           </p:sp>
         </mc:Choice>
-        <mc:Fallback xmlns="">
+        <mc:Fallback>
           <p:sp>
             <p:nvSpPr>
               <p:cNvPr id="54" name="TextBox 53">
@@ -8434,9 +8656,9 @@
                 <a:avLst/>
               </a:prstGeom>
               <a:blipFill>
-                <a:blip r:embed="rId17"/>
+                <a:blip r:embed="rId8"/>
                 <a:stretch>
-                  <a:fillRect l="-2778" r="-3704" b="-13043"/>
+                  <a:fillRect l="-3587" r="-4036" b="-15556"/>
                 </a:stretch>
               </a:blipFill>
             </p:spPr>
@@ -8455,8 +8677,8 @@
           </p:sp>
         </mc:Fallback>
       </mc:AlternateContent>
-      <mc:AlternateContent xmlns:mc="http://schemas.openxmlformats.org/markup-compatibility/2006" xmlns:a14="http://schemas.microsoft.com/office/drawing/2010/main">
-        <mc:Choice Requires="a14">
+      <mc:AlternateContent xmlns:mc="http://schemas.openxmlformats.org/markup-compatibility/2006">
+        <mc:Choice xmlns:a14="http://schemas.microsoft.com/office/drawing/2010/main" Requires="a14">
           <p:sp>
             <p:nvSpPr>
               <p:cNvPr id="55" name="TextBox 54">
@@ -8507,12 +8729,12 @@
                     </m:oMath>
                   </m:oMathPara>
                 </a14:m>
-                <a:endParaRPr lang="en-US" b="0" dirty="0"/>
+                <a:endParaRPr lang="en-US" b="0"/>
               </a:p>
             </p:txBody>
           </p:sp>
         </mc:Choice>
-        <mc:Fallback xmlns="">
+        <mc:Fallback>
           <p:sp>
             <p:nvSpPr>
               <p:cNvPr id="55" name="TextBox 54">
@@ -8536,9 +8758,9 @@
                 <a:avLst/>
               </a:prstGeom>
               <a:blipFill>
-                <a:blip r:embed="rId18"/>
+                <a:blip r:embed="rId9"/>
                 <a:stretch>
-                  <a:fillRect l="-10145" r="-5797" b="-34783"/>
+                  <a:fillRect l="-9091" t="-2222" r="-6993" b="-35556"/>
                 </a:stretch>
               </a:blipFill>
             </p:spPr>
@@ -8557,8 +8779,8 @@
           </p:sp>
         </mc:Fallback>
       </mc:AlternateContent>
-      <mc:AlternateContent xmlns:mc="http://schemas.openxmlformats.org/markup-compatibility/2006" xmlns:a14="http://schemas.microsoft.com/office/drawing/2010/main">
-        <mc:Choice Requires="a14">
+      <mc:AlternateContent xmlns:mc="http://schemas.openxmlformats.org/markup-compatibility/2006">
+        <mc:Choice xmlns:a14="http://schemas.microsoft.com/office/drawing/2010/main" Requires="a14">
           <p:sp>
             <p:nvSpPr>
               <p:cNvPr id="56" name="TextBox 55">
@@ -8574,7 +8796,7 @@
             <p:spPr>
               <a:xfrm>
                 <a:off x="1751077" y="6047893"/>
-                <a:ext cx="3550972" cy="276999"/>
+                <a:ext cx="881075" cy="276999"/>
               </a:xfrm>
               <a:prstGeom prst="rect">
                 <a:avLst/>
@@ -8587,34 +8809,38 @@
               </a:bodyPr>
               <a:lstStyle/>
               <a:p>
-                <a:pPr/>
+                <a:r>
+                  <a:rPr lang="en-US" b="0"/>
+                  <a:t> </a:t>
+                </a:r>
                 <a14:m>
-                  <m:oMathPara xmlns:m="http://schemas.openxmlformats.org/officeDocument/2006/math">
-                    <m:oMathParaPr>
-                      <m:jc m:val="centerGroup"/>
-                    </m:oMathParaPr>
-                    <m:oMath xmlns:m="http://schemas.openxmlformats.org/officeDocument/2006/math">
-                      <m:r>
-                        <a:rPr lang="en-US" b="0" i="1" smtClean="0">
-                          <a:latin typeface="Cambria Math" panose="02040503050406030204" pitchFamily="18" charset="0"/>
-                        </a:rPr>
-                        <m:t>𝜂</m:t>
-                      </m:r>
-                      <m:r>
-                        <a:rPr lang="en-US" b="0" i="1" smtClean="0">
-                          <a:latin typeface="Cambria Math" panose="02040503050406030204" pitchFamily="18" charset="0"/>
-                        </a:rPr>
-                        <m:t>=1.2545, 2.509, 5.0192, 10.0384 </m:t>
-                      </m:r>
-                    </m:oMath>
-                  </m:oMathPara>
+                  <m:oMath xmlns:m="http://schemas.openxmlformats.org/officeDocument/2006/math">
+                    <m:r>
+                      <a:rPr lang="en-US" b="0" i="0" smtClean="0">
+                        <a:latin typeface="Cambria Math" panose="02040503050406030204" pitchFamily="18" charset="0"/>
+                      </a:rPr>
+                      <m:t> </m:t>
+                    </m:r>
+                    <m:r>
+                      <a:rPr lang="en-US" b="0" i="1" smtClean="0">
+                        <a:latin typeface="Cambria Math" panose="02040503050406030204" pitchFamily="18" charset="0"/>
+                      </a:rPr>
+                      <m:t>𝜉</m:t>
+                    </m:r>
+                    <m:r>
+                      <a:rPr lang="en-US" b="0" i="1" smtClean="0">
+                        <a:latin typeface="Cambria Math" panose="02040503050406030204" pitchFamily="18" charset="0"/>
+                      </a:rPr>
+                      <m:t>=0.1 </m:t>
+                    </m:r>
+                  </m:oMath>
                 </a14:m>
-                <a:endParaRPr lang="en-US" b="0" dirty="0"/>
+                <a:endParaRPr lang="en-US" b="0"/>
               </a:p>
             </p:txBody>
           </p:sp>
         </mc:Choice>
-        <mc:Fallback xmlns="">
+        <mc:Fallback>
           <p:sp>
             <p:nvSpPr>
               <p:cNvPr id="56" name="TextBox 55">
@@ -8632,15 +8858,15 @@
             <p:spPr>
               <a:xfrm>
                 <a:off x="1751077" y="6047893"/>
-                <a:ext cx="3550972" cy="276999"/>
+                <a:ext cx="881075" cy="276999"/>
               </a:xfrm>
               <a:prstGeom prst="rect">
                 <a:avLst/>
               </a:prstGeom>
               <a:blipFill>
-                <a:blip r:embed="rId19"/>
+                <a:blip r:embed="rId10"/>
                 <a:stretch>
-                  <a:fillRect l="-1068" t="-8696" r="-2135" b="-34783"/>
+                  <a:fillRect l="-690" t="-2174" r="-2759" b="-32609"/>
                 </a:stretch>
               </a:blipFill>
             </p:spPr>
@@ -8728,14 +8954,14 @@
               <p:nvPr>
                 <p:extLst>
                   <p:ext uri="{D42A27DB-BD31-4B8C-83A1-F6EECF244321}">
-                    <p14:modId xmlns:p14="http://schemas.microsoft.com/office/powerpoint/2010/main" val="248648899"/>
+                    <p14:modId xmlns:p14="http://schemas.microsoft.com/office/powerpoint/2010/main" val="3170306560"/>
                   </p:ext>
                 </p:extLst>
               </p:nvPr>
             </p:nvGraphicFramePr>
             <p:xfrm>
               <a:off x="6314429" y="925826"/>
-              <a:ext cx="5752395" cy="5303520"/>
+              <a:ext cx="5752395" cy="4297680"/>
             </p:xfrm>
             <a:graphic>
               <a:graphicData uri="http://schemas.openxmlformats.org/drawingml/2006/table">
@@ -8766,17 +8992,13 @@
                       </a:extLst>
                     </a:gridCol>
                   </a:tblGrid>
-                  <a:tr h="317475">
+                  <a:tr h="338831">
                     <a:tc>
                       <a:txBody>
                         <a:bodyPr/>
                         <a:lstStyle/>
                         <a:p>
-                          <a:r>
-                            <a:rPr lang="en-US"/>
-                            <a:t>Quantitiy</a:t>
-                          </a:r>
-                          <a:endParaRPr lang="en-US" dirty="0"/>
+                          <a:endParaRPr lang="en-US"/>
                         </a:p>
                       </a:txBody>
                       <a:tcPr/>
@@ -8790,7 +9012,6 @@
                             <a:rPr lang="en-US"/>
                             <a:t>Physical Unit</a:t>
                           </a:r>
-                          <a:endParaRPr lang="en-US" dirty="0"/>
                         </a:p>
                       </a:txBody>
                       <a:tcPr/>
@@ -8804,7 +9025,6 @@
                             <a:rPr lang="en-US"/>
                             <a:t>Value (a.u.)</a:t>
                           </a:r>
-                          <a:endParaRPr lang="en-US" dirty="0"/>
                         </a:p>
                       </a:txBody>
                       <a:tcPr/>
@@ -8815,7 +9035,7 @@
                       </a:ext>
                     </a:extLst>
                   </a:tr>
-                  <a:tr h="555582">
+                  <a:tr h="592954">
                     <a:tc>
                       <a:txBody>
                         <a:bodyPr/>
@@ -8840,7 +9060,7 @@
                               </m:oMath>
                             </m:oMathPara>
                           </a14:m>
-                          <a:endParaRPr lang="en-US" dirty="0"/>
+                          <a:endParaRPr lang="en-US"/>
                         </a:p>
                       </a:txBody>
                       <a:tcPr/>
@@ -8868,7 +9088,7 @@
                             <a:defRPr/>
                           </a:pPr>
                           <a:r>
-                            <a:rPr lang="en-US" dirty="0">
+                            <a:rPr lang="en-US">
                               <a:latin typeface="Menlo" panose="020B0609030804020204" pitchFamily="49" charset="0"/>
                               <a:ea typeface="Menlo" panose="020B0609030804020204" pitchFamily="49" charset="0"/>
                               <a:cs typeface="Menlo" panose="020B0609030804020204" pitchFamily="49" charset="0"/>
@@ -8876,7 +9096,7 @@
                             <a:t>H</a:t>
                           </a:r>
                           <a:r>
-                            <a:rPr lang="en-US" dirty="0" err="1">
+                            <a:rPr lang="en-US" err="1">
                               <a:latin typeface="Menlo" panose="020B0609030804020204" pitchFamily="49" charset="0"/>
                               <a:ea typeface="Menlo" panose="020B0609030804020204" pitchFamily="49" charset="0"/>
                               <a:cs typeface="Menlo" panose="020B0609030804020204" pitchFamily="49" charset="0"/>
@@ -8897,7 +9117,7 @@
                             </m:oMath>
                           </a14:m>
                           <a:r>
-                            <a:rPr lang="en-US" dirty="0">
+                            <a:rPr lang="en-US">
                               <a:latin typeface="Menlo" panose="020B0609030804020204" pitchFamily="49" charset="0"/>
                               <a:ea typeface="Menlo" panose="020B0609030804020204" pitchFamily="49" charset="0"/>
                               <a:cs typeface="Menlo" panose="020B0609030804020204" pitchFamily="49" charset="0"/>
@@ -8905,7 +9125,7 @@
                             <a:t> = E, angular</a:t>
                           </a:r>
                           <a:r>
-                            <a:rPr lang="en-US" baseline="0" dirty="0">
+                            <a:rPr lang="en-US" baseline="0">
                               <a:latin typeface="Menlo" panose="020B0609030804020204" pitchFamily="49" charset="0"/>
                               <a:ea typeface="Menlo" panose="020B0609030804020204" pitchFamily="49" charset="0"/>
                               <a:cs typeface="Menlo" panose="020B0609030804020204" pitchFamily="49" charset="0"/>
@@ -8913,7 +9133,7 @@
                             <a:t> </a:t>
                           </a:r>
                           <a:r>
-                            <a:rPr lang="en-US" baseline="0" dirty="0" err="1">
+                            <a:rPr lang="en-US" baseline="0" err="1">
                               <a:latin typeface="Menlo" panose="020B0609030804020204" pitchFamily="49" charset="0"/>
                               <a:ea typeface="Menlo" panose="020B0609030804020204" pitchFamily="49" charset="0"/>
                               <a:cs typeface="Menlo" panose="020B0609030804020204" pitchFamily="49" charset="0"/>
@@ -8921,7 +9141,7 @@
                             <a:t>freq</a:t>
                           </a:r>
                           <a:r>
-                            <a:rPr lang="en-US" dirty="0">
+                            <a:rPr lang="en-US">
                               <a:latin typeface="Menlo" panose="020B0609030804020204" pitchFamily="49" charset="0"/>
                               <a:ea typeface="Menlo" panose="020B0609030804020204" pitchFamily="49" charset="0"/>
                               <a:cs typeface="Menlo" panose="020B0609030804020204" pitchFamily="49" charset="0"/>
@@ -8938,14 +9158,14 @@
                         <a:lstStyle/>
                         <a:p>
                           <a:r>
-                            <a:rPr lang="en-US" dirty="0">
+                            <a:rPr lang="en-US">
                               <a:latin typeface="Menlo" panose="020B0609030804020204" pitchFamily="49" charset="0"/>
                               <a:ea typeface="Menlo" panose="020B0609030804020204" pitchFamily="49" charset="0"/>
                               <a:cs typeface="Menlo" panose="020B0609030804020204" pitchFamily="49" charset="0"/>
                             </a:rPr>
                             <a:t>0.00318943</a:t>
                           </a:r>
-                          <a:endParaRPr lang="en-US" dirty="0"/>
+                          <a:endParaRPr lang="en-US"/>
                         </a:p>
                       </a:txBody>
                       <a:tcPr/>
@@ -8956,7 +9176,7 @@
                       </a:ext>
                     </a:extLst>
                   </a:tr>
-                  <a:tr h="317475">
+                  <a:tr h="338831">
                     <a:tc>
                       <a:txBody>
                         <a:bodyPr/>
@@ -8997,7 +9217,7 @@
                               </m:oMath>
                             </m:oMathPara>
                           </a14:m>
-                          <a:endParaRPr lang="en-US" sz="1800" b="0" dirty="0"/>
+                          <a:endParaRPr lang="en-US" sz="1800" b="0"/>
                         </a:p>
                       </a:txBody>
                       <a:tcPr/>
@@ -9008,7 +9228,7 @@
                         <a:lstStyle/>
                         <a:p>
                           <a:r>
-                            <a:rPr lang="en-US" dirty="0"/>
+                            <a:rPr lang="en-US"/>
                             <a:t>E/M</a:t>
                           </a:r>
                           <a14:m>
@@ -9030,7 +9250,7 @@
                               </m:r>
                             </m:oMath>
                           </a14:m>
-                          <a:endParaRPr lang="en-US" dirty="0"/>
+                          <a:endParaRPr lang="en-US"/>
                         </a:p>
                       </a:txBody>
                       <a:tcPr/>
@@ -9041,13 +9261,13 @@
                         <a:lstStyle/>
                         <a:p>
                           <a:r>
-                            <a:rPr lang="en-US" b="0" dirty="0">
+                            <a:rPr lang="en-US" b="0">
                               <a:effectLst/>
                               <a:latin typeface="Menlo" panose="020B0609030804020204" pitchFamily="49" charset="0"/>
                             </a:rPr>
                             <a:t>0.0004</a:t>
                           </a:r>
-                          <a:endParaRPr lang="en-US" dirty="0"/>
+                          <a:endParaRPr lang="en-US"/>
                         </a:p>
                       </a:txBody>
                       <a:tcPr/>
@@ -9058,7 +9278,7 @@
                       </a:ext>
                     </a:extLst>
                   </a:tr>
-                  <a:tr h="317475">
+                  <a:tr h="338831">
                     <a:tc>
                       <a:txBody>
                         <a:bodyPr/>
@@ -9099,7 +9319,7 @@
                               </m:oMath>
                             </m:oMathPara>
                           </a14:m>
-                          <a:endParaRPr lang="en-US" sz="1800" b="0" dirty="0"/>
+                          <a:endParaRPr lang="en-US" sz="1800" b="0"/>
                         </a:p>
                       </a:txBody>
                       <a:tcPr/>
@@ -9110,7 +9330,7 @@
                         <a:lstStyle/>
                         <a:p>
                           <a:r>
-                            <a:rPr lang="en-US" dirty="0"/>
+                            <a:rPr lang="en-US"/>
                             <a:t>Same</a:t>
                           </a:r>
                         </a:p>
@@ -9123,13 +9343,13 @@
                         <a:lstStyle/>
                         <a:p>
                           <a:r>
-                            <a:rPr lang="en-US" b="0" dirty="0">
+                            <a:rPr lang="en-US" b="0">
                               <a:effectLst/>
                               <a:latin typeface="Menlo" panose="020B0609030804020204" pitchFamily="49" charset="0"/>
                             </a:rPr>
                             <a:t>0.00065</a:t>
                           </a:r>
-                          <a:endParaRPr lang="en-US" dirty="0"/>
+                          <a:endParaRPr lang="en-US"/>
                         </a:p>
                       </a:txBody>
                       <a:tcPr/>
@@ -9140,7 +9360,7 @@
                       </a:ext>
                     </a:extLst>
                   </a:tr>
-                  <a:tr h="317475">
+                  <a:tr h="338831">
                     <a:tc>
                       <a:txBody>
                         <a:bodyPr/>
@@ -9181,7 +9401,7 @@
                               </m:oMath>
                             </m:oMathPara>
                           </a14:m>
-                          <a:endParaRPr lang="en-US" sz="1800" b="0" dirty="0"/>
+                          <a:endParaRPr lang="en-US" sz="1800" b="0"/>
                         </a:p>
                       </a:txBody>
                       <a:tcPr/>
@@ -9192,7 +9412,7 @@
                         <a:lstStyle/>
                         <a:p>
                           <a:r>
-                            <a:rPr lang="en-US" dirty="0"/>
+                            <a:rPr lang="en-US"/>
                             <a:t>Same</a:t>
                           </a:r>
                         </a:p>
@@ -9205,13 +9425,13 @@
                         <a:lstStyle/>
                         <a:p>
                           <a:r>
-                            <a:rPr lang="en-US" b="0" dirty="0">
+                            <a:rPr lang="en-US" b="0">
                               <a:effectLst/>
                               <a:latin typeface="Menlo" panose="020B0609030804020204" pitchFamily="49" charset="0"/>
                             </a:rPr>
                             <a:t>0.00106</a:t>
                           </a:r>
-                          <a:endParaRPr lang="en-US" dirty="0"/>
+                          <a:endParaRPr lang="en-US"/>
                         </a:p>
                       </a:txBody>
                       <a:tcPr/>
@@ -9222,7 +9442,7 @@
                       </a:ext>
                     </a:extLst>
                   </a:tr>
-                  <a:tr h="317475">
+                  <a:tr h="338831">
                     <a:tc>
                       <a:txBody>
                         <a:bodyPr/>
@@ -9279,7 +9499,7 @@
                               </m:oMath>
                             </m:oMathPara>
                           </a14:m>
-                          <a:endParaRPr lang="en-US" sz="1800" b="0" dirty="0"/>
+                          <a:endParaRPr lang="en-US" sz="1800" b="0"/>
                         </a:p>
                       </a:txBody>
                       <a:tcPr/>
@@ -9290,7 +9510,7 @@
                         <a:lstStyle/>
                         <a:p>
                           <a:r>
-                            <a:rPr lang="en-US" dirty="0"/>
+                            <a:rPr lang="en-US"/>
                             <a:t>E</a:t>
                           </a:r>
                         </a:p>
@@ -9303,7 +9523,7 @@
                         <a:lstStyle/>
                         <a:p>
                           <a:r>
-                            <a:rPr lang="en-US" b="0" dirty="0">
+                            <a:rPr lang="en-US" b="0">
                               <a:effectLst/>
                               <a:latin typeface="Menlo" panose="020B0609030804020204" pitchFamily="49" charset="0"/>
                             </a:rPr>
@@ -9319,7 +9539,7 @@
                       </a:ext>
                     </a:extLst>
                   </a:tr>
-                  <a:tr h="317475">
+                  <a:tr h="338831">
                     <a:tc>
                       <a:txBody>
                         <a:bodyPr/>
@@ -9360,7 +9580,7 @@
                               </m:oMath>
                             </m:oMathPara>
                           </a14:m>
-                          <a:endParaRPr lang="en-US" dirty="0"/>
+                          <a:endParaRPr lang="en-US"/>
                         </a:p>
                       </a:txBody>
                       <a:tcPr/>
@@ -9371,7 +9591,7 @@
                         <a:lstStyle/>
                         <a:p>
                           <a:r>
-                            <a:rPr lang="en-US" dirty="0"/>
+                            <a:rPr lang="en-US"/>
                             <a:t>E</a:t>
                           </a:r>
                         </a:p>
@@ -9384,13 +9604,13 @@
                         <a:lstStyle/>
                         <a:p>
                           <a:r>
-                            <a:rPr lang="en-US" b="0" dirty="0">
+                            <a:rPr lang="en-US" b="0">
                               <a:effectLst/>
                               <a:latin typeface="Menlo" panose="020B0609030804020204" pitchFamily="49" charset="0"/>
                             </a:rPr>
                             <a:t>0.00735</a:t>
                           </a:r>
-                          <a:endParaRPr lang="en-US" dirty="0"/>
+                          <a:endParaRPr lang="en-US"/>
                         </a:p>
                       </a:txBody>
                       <a:tcPr/>
@@ -9401,7 +9621,7 @@
                       </a:ext>
                     </a:extLst>
                   </a:tr>
-                  <a:tr h="317475">
+                  <a:tr h="338831">
                     <a:tc>
                       <a:txBody>
                         <a:bodyPr/>
@@ -9442,7 +9662,7 @@
                               </m:oMath>
                             </m:oMathPara>
                           </a14:m>
-                          <a:endParaRPr lang="en-US" dirty="0"/>
+                          <a:endParaRPr lang="en-US"/>
                         </a:p>
                       </a:txBody>
                       <a:tcPr/>
@@ -9453,7 +9673,7 @@
                         <a:lstStyle/>
                         <a:p>
                           <a:r>
-                            <a:rPr lang="en-US" dirty="0"/>
+                            <a:rPr lang="en-US"/>
                             <a:t>E</a:t>
                           </a:r>
                         </a:p>
@@ -9466,13 +9686,13 @@
                         <a:lstStyle/>
                         <a:p>
                           <a:r>
-                            <a:rPr lang="en-US" b="0" dirty="0">
+                            <a:rPr lang="en-US" b="0">
                               <a:effectLst/>
                               <a:latin typeface="Menlo" panose="020B0609030804020204" pitchFamily="49" charset="0"/>
                             </a:rPr>
                             <a:t>0.001</a:t>
                           </a:r>
-                          <a:endParaRPr lang="en-US" dirty="0"/>
+                          <a:endParaRPr lang="en-US"/>
                         </a:p>
                       </a:txBody>
                       <a:tcPr/>
@@ -9483,7 +9703,7 @@
                       </a:ext>
                     </a:extLst>
                   </a:tr>
-                  <a:tr h="317475">
+                  <a:tr h="338831">
                     <a:tc>
                       <a:txBody>
                         <a:bodyPr/>
@@ -9527,7 +9747,7 @@
                               </m:oMath>
                             </m:oMathPara>
                           </a14:m>
-                          <a:endParaRPr lang="en-US" dirty="0"/>
+                          <a:endParaRPr lang="en-US"/>
                         </a:p>
                       </a:txBody>
                       <a:tcPr/>
@@ -9538,7 +9758,7 @@
                         <a:lstStyle/>
                         <a:p>
                           <a:r>
-                            <a:rPr lang="en-US" dirty="0"/>
+                            <a:rPr lang="en-US"/>
                             <a:t>E</a:t>
                           </a:r>
                         </a:p>
@@ -9551,14 +9771,14 @@
                         <a:lstStyle/>
                         <a:p>
                           <a:r>
-                            <a:rPr lang="en-US" dirty="0">
+                            <a:rPr lang="en-US">
                               <a:latin typeface="Menlo" panose="020B0609030804020204" pitchFamily="49" charset="0"/>
                               <a:ea typeface="Menlo" panose="020B0609030804020204" pitchFamily="49" charset="0"/>
                               <a:cs typeface="Menlo" panose="020B0609030804020204" pitchFamily="49" charset="0"/>
                             </a:rPr>
                             <a:t>0.0013669</a:t>
                           </a:r>
-                          <a:endParaRPr lang="en-US" dirty="0"/>
+                          <a:endParaRPr lang="en-US"/>
                         </a:p>
                       </a:txBody>
                       <a:tcPr/>
@@ -9569,7 +9789,7 @@
                       </a:ext>
                     </a:extLst>
                   </a:tr>
-                  <a:tr h="317475">
+                  <a:tr h="338831">
                     <a:tc>
                       <a:txBody>
                         <a:bodyPr/>
@@ -9613,7 +9833,7 @@
                               </m:oMath>
                             </m:oMathPara>
                           </a14:m>
-                          <a:endParaRPr lang="en-US" dirty="0"/>
+                          <a:endParaRPr lang="en-US"/>
                         </a:p>
                       </a:txBody>
                       <a:tcPr/>
@@ -9624,7 +9844,7 @@
                         <a:lstStyle/>
                         <a:p>
                           <a:r>
-                            <a:rPr lang="en-US" dirty="0"/>
+                            <a:rPr lang="en-US"/>
                             <a:t>E</a:t>
                           </a:r>
                         </a:p>
@@ -9637,14 +9857,12 @@
                         <a:lstStyle/>
                         <a:p>
                           <a:r>
-                            <a:rPr lang="en-US" dirty="0">
+                            <a:rPr lang="en-US">
                               <a:latin typeface="Menlo" panose="020B0609030804020204" pitchFamily="49" charset="0"/>
-                              <a:ea typeface="Menlo" panose="020B0609030804020204" pitchFamily="49" charset="0"/>
-                              <a:cs typeface="Menlo" panose="020B0609030804020204" pitchFamily="49" charset="0"/>
                             </a:rPr>
-                            <a:t>0.000455634</a:t>
+                            <a:t>0.00068345</a:t>
                           </a:r>
-                          <a:endParaRPr lang="en-US" dirty="0"/>
+                          <a:endParaRPr lang="en-US"/>
                         </a:p>
                       </a:txBody>
                       <a:tcPr/>
@@ -9655,47 +9873,13 @@
                       </a:ext>
                     </a:extLst>
                   </a:tr>
-                  <a:tr h="317475">
+                  <a:tr h="338831">
                     <a:tc>
                       <a:txBody>
                         <a:bodyPr/>
                         <a:lstStyle/>
                         <a:p>
-                          <a14:m>
-                            <m:oMathPara xmlns:m="http://schemas.openxmlformats.org/officeDocument/2006/math">
-                              <m:oMathParaPr>
-                                <m:jc m:val="centerGroup"/>
-                              </m:oMathParaPr>
-                              <m:oMath xmlns:m="http://schemas.openxmlformats.org/officeDocument/2006/math">
-                                <m:sSub>
-                                  <m:sSubPr>
-                                    <m:ctrlPr>
-                                      <a:rPr lang="en-US" b="0" i="1" smtClean="0">
-                                        <a:latin typeface="Cambria Math" panose="02040503050406030204" pitchFamily="18" charset="0"/>
-                                      </a:rPr>
-                                    </m:ctrlPr>
-                                  </m:sSubPr>
-                                  <m:e>
-                                    <m:r>
-                                      <a:rPr lang="en-US" b="0" i="1" smtClean="0">
-                                        <a:latin typeface="Cambria Math" panose="02040503050406030204" pitchFamily="18" charset="0"/>
-                                      </a:rPr>
-                                      <m:t>𝜔</m:t>
-                                    </m:r>
-                                  </m:e>
-                                  <m:sub>
-                                    <m:r>
-                                      <a:rPr lang="en-US" b="0" i="1" smtClean="0">
-                                        <a:latin typeface="Cambria Math" panose="02040503050406030204" pitchFamily="18" charset="0"/>
-                                      </a:rPr>
-                                      <m:t>𝑐</m:t>
-                                    </m:r>
-                                  </m:sub>
-                                </m:sSub>
-                              </m:oMath>
-                            </m:oMathPara>
-                          </a14:m>
-                          <a:endParaRPr lang="en-US" dirty="0"/>
+                          <a:endParaRPr lang="en-US"/>
                         </a:p>
                       </a:txBody>
                       <a:tcPr/>
@@ -9705,15 +9889,7 @@
                         <a:bodyPr/>
                         <a:lstStyle/>
                         <a:p>
-                          <a:r>
-                            <a:rPr lang="en-US" altLang="zh-CN" dirty="0"/>
-                            <a:t>angular </a:t>
-                          </a:r>
-                          <a:r>
-                            <a:rPr lang="en-US" altLang="zh-CN" dirty="0" err="1"/>
-                            <a:t>freq</a:t>
-                          </a:r>
-                          <a:endParaRPr lang="en-US" dirty="0"/>
+                          <a:endParaRPr lang="en-US"/>
                         </a:p>
                       </a:txBody>
                       <a:tcPr/>
@@ -9723,10 +9899,7 @@
                         <a:bodyPr/>
                         <a:lstStyle/>
                         <a:p>
-                          <a:r>
-                            <a:rPr lang="en-US" dirty="0"/>
-                            <a:t>0.0013669</a:t>
-                          </a:r>
+                          <a:endParaRPr lang="en-US"/>
                         </a:p>
                       </a:txBody>
                       <a:tcPr/>
@@ -9734,146 +9907,6 @@
                     <a:extLst>
                       <a:ext uri="{0D108BD9-81ED-4DB2-BD59-A6C34878D82A}">
                         <a16:rowId xmlns:a16="http://schemas.microsoft.com/office/drawing/2014/main" val="4113155503"/>
-                      </a:ext>
-                    </a:extLst>
-                  </a:tr>
-                  <a:tr h="317475">
-                    <a:tc>
-                      <a:txBody>
-                        <a:bodyPr/>
-                        <a:lstStyle/>
-                        <a:p>
-                          <a14:m>
-                            <m:oMathPara xmlns:m="http://schemas.openxmlformats.org/officeDocument/2006/math">
-                              <m:oMathParaPr>
-                                <m:jc m:val="centerGroup"/>
-                              </m:oMathParaPr>
-                              <m:oMath xmlns:m="http://schemas.openxmlformats.org/officeDocument/2006/math">
-                                <m:sSub>
-                                  <m:sSubPr>
-                                    <m:ctrlPr>
-                                      <a:rPr lang="en-US" b="0" i="1" smtClean="0">
-                                        <a:latin typeface="Cambria Math" panose="02040503050406030204" pitchFamily="18" charset="0"/>
-                                      </a:rPr>
-                                    </m:ctrlPr>
-                                  </m:sSubPr>
-                                  <m:e>
-                                    <m:r>
-                                      <a:rPr lang="en-US" b="0" i="1" smtClean="0">
-                                        <a:latin typeface="Cambria Math" panose="02040503050406030204" pitchFamily="18" charset="0"/>
-                                      </a:rPr>
-                                      <m:t>𝑀</m:t>
-                                    </m:r>
-                                  </m:e>
-                                  <m:sub>
-                                    <m:r>
-                                      <a:rPr lang="en-US" b="0" i="1" smtClean="0">
-                                        <a:latin typeface="Cambria Math" panose="02040503050406030204" pitchFamily="18" charset="0"/>
-                                      </a:rPr>
-                                      <m:t>𝐵</m:t>
-                                    </m:r>
-                                  </m:sub>
-                                </m:sSub>
-                              </m:oMath>
-                            </m:oMathPara>
-                          </a14:m>
-                          <a:endParaRPr lang="en-US" dirty="0"/>
-                        </a:p>
-                      </a:txBody>
-                      <a:tcPr/>
-                    </a:tc>
-                    <a:tc>
-                      <a:txBody>
-                        <a:bodyPr/>
-                        <a:lstStyle/>
-                        <a:p>
-                          <a:endParaRPr lang="en-US" dirty="0"/>
-                        </a:p>
-                      </a:txBody>
-                      <a:tcPr/>
-                    </a:tc>
-                    <a:tc>
-                      <a:txBody>
-                        <a:bodyPr/>
-                        <a:lstStyle/>
-                        <a:p>
-                          <a:r>
-                            <a:rPr lang="en-US" dirty="0"/>
-                            <a:t>1836.0</a:t>
-                          </a:r>
-                        </a:p>
-                      </a:txBody>
-                      <a:tcPr/>
-                    </a:tc>
-                    <a:extLst>
-                      <a:ext uri="{0D108BD9-81ED-4DB2-BD59-A6C34878D82A}">
-                        <a16:rowId xmlns:a16="http://schemas.microsoft.com/office/drawing/2014/main" val="3247003135"/>
-                      </a:ext>
-                    </a:extLst>
-                  </a:tr>
-                  <a:tr h="555582">
-                    <a:tc>
-                      <a:txBody>
-                        <a:bodyPr/>
-                        <a:lstStyle/>
-                        <a:p>
-                          <a14:m>
-                            <m:oMathPara xmlns:m="http://schemas.openxmlformats.org/officeDocument/2006/math">
-                              <m:oMathParaPr>
-                                <m:jc m:val="centerGroup"/>
-                              </m:oMathParaPr>
-                              <m:oMath xmlns:m="http://schemas.openxmlformats.org/officeDocument/2006/math">
-                                <m:r>
-                                  <a:rPr lang="en-US" b="0" i="1" smtClean="0">
-                                    <a:latin typeface="Cambria Math" panose="02040503050406030204" pitchFamily="18" charset="0"/>
-                                  </a:rPr>
-                                  <m:t>𝜂</m:t>
-                                </m:r>
-                              </m:oMath>
-                            </m:oMathPara>
-                          </a14:m>
-                          <a:endParaRPr lang="en-US" dirty="0"/>
-                        </a:p>
-                      </a:txBody>
-                      <a:tcPr/>
-                    </a:tc>
-                    <a:tc>
-                      <a:txBody>
-                        <a:bodyPr/>
-                        <a:lstStyle/>
-                        <a:p>
-                          <a:r>
-                            <a:rPr lang="en-US" dirty="0"/>
-                            <a:t>E/</a:t>
-                          </a:r>
-                          <a:r>
-                            <a:rPr lang="en-US" dirty="0" err="1"/>
-                            <a:t>freq</a:t>
-                          </a:r>
-                          <a:r>
-                            <a:rPr lang="en-US" dirty="0"/>
-                            <a:t>/length^2</a:t>
-                          </a:r>
-                        </a:p>
-                      </a:txBody>
-                      <a:tcPr/>
-                    </a:tc>
-                    <a:tc>
-                      <a:txBody>
-                        <a:bodyPr/>
-                        <a:lstStyle/>
-                        <a:p>
-                          <a:r>
-                            <a:rPr lang="en-US" dirty="0"/>
-                            <a:t>1.2545, 2.509, 5.0192, 10.0384</a:t>
-                          </a:r>
-                        </a:p>
-                      </a:txBody>
-                      <a:tcPr/>
-                    </a:tc>
-                    <a:extLst>
-                      <a:ext uri="{0D108BD9-81ED-4DB2-BD59-A6C34878D82A}">
-                        <a16:rowId xmlns:a16="http://schemas.microsoft.com/office/drawing/2014/main" val="993472355"/>
                       </a:ext>
                     </a:extLst>
                   </a:tr>
@@ -9898,14 +9931,14 @@
               <p:nvPr>
                 <p:extLst>
                   <p:ext uri="{D42A27DB-BD31-4B8C-83A1-F6EECF244321}">
-                    <p14:modId xmlns:p14="http://schemas.microsoft.com/office/powerpoint/2010/main" val="248648899"/>
+                    <p14:modId xmlns:p14="http://schemas.microsoft.com/office/powerpoint/2010/main" val="3170306560"/>
                   </p:ext>
                 </p:extLst>
               </p:nvPr>
             </p:nvGraphicFramePr>
             <p:xfrm>
               <a:off x="6314429" y="925826"/>
-              <a:ext cx="5752395" cy="5303520"/>
+              <a:ext cx="5752395" cy="4297680"/>
             </p:xfrm>
             <a:graphic>
               <a:graphicData uri="http://schemas.openxmlformats.org/drawingml/2006/table">
@@ -9942,11 +9975,7 @@
                         <a:bodyPr/>
                         <a:lstStyle/>
                         <a:p>
-                          <a:r>
-                            <a:rPr lang="en-US"/>
-                            <a:t>Quantitiy</a:t>
-                          </a:r>
-                          <a:endParaRPr lang="en-US" dirty="0"/>
+                          <a:endParaRPr lang="en-US"/>
                         </a:p>
                       </a:txBody>
                       <a:tcPr/>
@@ -9960,7 +9989,6 @@
                             <a:rPr lang="en-US"/>
                             <a:t>Physical Unit</a:t>
                           </a:r>
-                          <a:endParaRPr lang="en-US" dirty="0"/>
                         </a:p>
                       </a:txBody>
                       <a:tcPr/>
@@ -9974,7 +10002,6 @@
                             <a:rPr lang="en-US"/>
                             <a:t>Value (a.u.)</a:t>
                           </a:r>
-                          <a:endParaRPr lang="en-US" dirty="0"/>
                         </a:p>
                       </a:txBody>
                       <a:tcPr/>
@@ -9996,9 +10023,9 @@
                       </a:txBody>
                       <a:tcPr>
                         <a:blipFill>
-                          <a:blip r:embed="rId20"/>
+                          <a:blip r:embed="rId11"/>
                           <a:stretch>
-                            <a:fillRect l="-317" t="-61905" r="-201270" b="-687619"/>
+                            <a:fillRect l="-317" t="-61905" r="-201270" b="-517143"/>
                           </a:stretch>
                         </a:blipFill>
                       </a:tcPr>
@@ -10013,9 +10040,9 @@
                       </a:txBody>
                       <a:tcPr>
                         <a:blipFill>
-                          <a:blip r:embed="rId20"/>
+                          <a:blip r:embed="rId11"/>
                           <a:stretch>
-                            <a:fillRect l="-100317" t="-61905" r="-101270" b="-687619"/>
+                            <a:fillRect l="-100317" t="-61905" r="-101270" b="-517143"/>
                           </a:stretch>
                         </a:blipFill>
                       </a:tcPr>
@@ -10026,14 +10053,14 @@
                         <a:lstStyle/>
                         <a:p>
                           <a:r>
-                            <a:rPr lang="en-US" dirty="0">
+                            <a:rPr lang="en-US">
                               <a:latin typeface="Menlo" panose="020B0609030804020204" pitchFamily="49" charset="0"/>
                               <a:ea typeface="Menlo" panose="020B0609030804020204" pitchFamily="49" charset="0"/>
                               <a:cs typeface="Menlo" panose="020B0609030804020204" pitchFamily="49" charset="0"/>
                             </a:rPr>
                             <a:t>0.00318943</a:t>
                           </a:r>
-                          <a:endParaRPr lang="en-US" dirty="0"/>
+                          <a:endParaRPr lang="en-US"/>
                         </a:p>
                       </a:txBody>
                       <a:tcPr/>
@@ -10055,9 +10082,9 @@
                       </a:txBody>
                       <a:tcPr>
                         <a:blipFill>
-                          <a:blip r:embed="rId20"/>
+                          <a:blip r:embed="rId11"/>
                           <a:stretch>
-                            <a:fillRect l="-317" t="-283333" r="-201270" b="-1103333"/>
+                            <a:fillRect l="-317" t="-283333" r="-201270" b="-805000"/>
                           </a:stretch>
                         </a:blipFill>
                       </a:tcPr>
@@ -10072,9 +10099,9 @@
                       </a:txBody>
                       <a:tcPr>
                         <a:blipFill>
-                          <a:blip r:embed="rId20"/>
+                          <a:blip r:embed="rId11"/>
                           <a:stretch>
-                            <a:fillRect l="-100317" t="-283333" r="-101270" b="-1103333"/>
+                            <a:fillRect l="-100317" t="-283333" r="-101270" b="-805000"/>
                           </a:stretch>
                         </a:blipFill>
                       </a:tcPr>
@@ -10085,13 +10112,13 @@
                         <a:lstStyle/>
                         <a:p>
                           <a:r>
-                            <a:rPr lang="en-US" b="0" dirty="0">
+                            <a:rPr lang="en-US" b="0">
                               <a:effectLst/>
                               <a:latin typeface="Menlo" panose="020B0609030804020204" pitchFamily="49" charset="0"/>
                             </a:rPr>
                             <a:t>0.0004</a:t>
                           </a:r>
-                          <a:endParaRPr lang="en-US" dirty="0"/>
+                          <a:endParaRPr lang="en-US"/>
                         </a:p>
                       </a:txBody>
                       <a:tcPr/>
@@ -10113,9 +10140,9 @@
                       </a:txBody>
                       <a:tcPr>
                         <a:blipFill>
-                          <a:blip r:embed="rId20"/>
+                          <a:blip r:embed="rId11"/>
                           <a:stretch>
-                            <a:fillRect l="-317" t="-383333" r="-201270" b="-1003333"/>
+                            <a:fillRect l="-317" t="-383333" r="-201270" b="-705000"/>
                           </a:stretch>
                         </a:blipFill>
                       </a:tcPr>
@@ -10126,7 +10153,7 @@
                         <a:lstStyle/>
                         <a:p>
                           <a:r>
-                            <a:rPr lang="en-US" dirty="0"/>
+                            <a:rPr lang="en-US"/>
                             <a:t>Same</a:t>
                           </a:r>
                         </a:p>
@@ -10139,13 +10166,13 @@
                         <a:lstStyle/>
                         <a:p>
                           <a:r>
-                            <a:rPr lang="en-US" b="0" dirty="0">
+                            <a:rPr lang="en-US" b="0">
                               <a:effectLst/>
                               <a:latin typeface="Menlo" panose="020B0609030804020204" pitchFamily="49" charset="0"/>
                             </a:rPr>
                             <a:t>0.00065</a:t>
                           </a:r>
-                          <a:endParaRPr lang="en-US" dirty="0"/>
+                          <a:endParaRPr lang="en-US"/>
                         </a:p>
                       </a:txBody>
                       <a:tcPr/>
@@ -10167,9 +10194,9 @@
                       </a:txBody>
                       <a:tcPr>
                         <a:blipFill>
-                          <a:blip r:embed="rId20"/>
+                          <a:blip r:embed="rId11"/>
                           <a:stretch>
-                            <a:fillRect l="-317" t="-483333" r="-201270" b="-903333"/>
+                            <a:fillRect l="-317" t="-483333" r="-201270" b="-605000"/>
                           </a:stretch>
                         </a:blipFill>
                       </a:tcPr>
@@ -10180,7 +10207,7 @@
                         <a:lstStyle/>
                         <a:p>
                           <a:r>
-                            <a:rPr lang="en-US" dirty="0"/>
+                            <a:rPr lang="en-US"/>
                             <a:t>Same</a:t>
                           </a:r>
                         </a:p>
@@ -10193,13 +10220,13 @@
                         <a:lstStyle/>
                         <a:p>
                           <a:r>
-                            <a:rPr lang="en-US" b="0" dirty="0">
+                            <a:rPr lang="en-US" b="0">
                               <a:effectLst/>
                               <a:latin typeface="Menlo" panose="020B0609030804020204" pitchFamily="49" charset="0"/>
                             </a:rPr>
                             <a:t>0.00106</a:t>
                           </a:r>
-                          <a:endParaRPr lang="en-US" dirty="0"/>
+                          <a:endParaRPr lang="en-US"/>
                         </a:p>
                       </a:txBody>
                       <a:tcPr/>
@@ -10221,9 +10248,9 @@
                       </a:txBody>
                       <a:tcPr>
                         <a:blipFill>
-                          <a:blip r:embed="rId20"/>
+                          <a:blip r:embed="rId11"/>
                           <a:stretch>
-                            <a:fillRect l="-317" t="-583333" r="-201270" b="-803333"/>
+                            <a:fillRect l="-317" t="-573770" r="-201270" b="-495082"/>
                           </a:stretch>
                         </a:blipFill>
                       </a:tcPr>
@@ -10234,7 +10261,7 @@
                         <a:lstStyle/>
                         <a:p>
                           <a:r>
-                            <a:rPr lang="en-US" dirty="0"/>
+                            <a:rPr lang="en-US"/>
                             <a:t>E</a:t>
                           </a:r>
                         </a:p>
@@ -10247,7 +10274,7 @@
                         <a:lstStyle/>
                         <a:p>
                           <a:r>
-                            <a:rPr lang="en-US" b="0" dirty="0">
+                            <a:rPr lang="en-US" b="0">
                               <a:effectLst/>
                               <a:latin typeface="Menlo" panose="020B0609030804020204" pitchFamily="49" charset="0"/>
                             </a:rPr>
@@ -10274,9 +10301,9 @@
                       </a:txBody>
                       <a:tcPr>
                         <a:blipFill>
-                          <a:blip r:embed="rId20"/>
+                          <a:blip r:embed="rId11"/>
                           <a:stretch>
-                            <a:fillRect l="-317" t="-672131" r="-201270" b="-690164"/>
+                            <a:fillRect l="-317" t="-685000" r="-201270" b="-403333"/>
                           </a:stretch>
                         </a:blipFill>
                       </a:tcPr>
@@ -10287,7 +10314,7 @@
                         <a:lstStyle/>
                         <a:p>
                           <a:r>
-                            <a:rPr lang="en-US" dirty="0"/>
+                            <a:rPr lang="en-US"/>
                             <a:t>E</a:t>
                           </a:r>
                         </a:p>
@@ -10300,13 +10327,13 @@
                         <a:lstStyle/>
                         <a:p>
                           <a:r>
-                            <a:rPr lang="en-US" b="0" dirty="0">
+                            <a:rPr lang="en-US" b="0">
                               <a:effectLst/>
                               <a:latin typeface="Menlo" panose="020B0609030804020204" pitchFamily="49" charset="0"/>
                             </a:rPr>
                             <a:t>0.00735</a:t>
                           </a:r>
-                          <a:endParaRPr lang="en-US" dirty="0"/>
+                          <a:endParaRPr lang="en-US"/>
                         </a:p>
                       </a:txBody>
                       <a:tcPr/>
@@ -10328,9 +10355,9 @@
                       </a:txBody>
                       <a:tcPr>
                         <a:blipFill>
-                          <a:blip r:embed="rId20"/>
+                          <a:blip r:embed="rId11"/>
                           <a:stretch>
-                            <a:fillRect l="-317" t="-785000" r="-201270" b="-601667"/>
+                            <a:fillRect l="-317" t="-785000" r="-201270" b="-303333"/>
                           </a:stretch>
                         </a:blipFill>
                       </a:tcPr>
@@ -10341,7 +10368,7 @@
                         <a:lstStyle/>
                         <a:p>
                           <a:r>
-                            <a:rPr lang="en-US" dirty="0"/>
+                            <a:rPr lang="en-US"/>
                             <a:t>E</a:t>
                           </a:r>
                         </a:p>
@@ -10354,13 +10381,13 @@
                         <a:lstStyle/>
                         <a:p>
                           <a:r>
-                            <a:rPr lang="en-US" b="0" dirty="0">
+                            <a:rPr lang="en-US" b="0">
                               <a:effectLst/>
                               <a:latin typeface="Menlo" panose="020B0609030804020204" pitchFamily="49" charset="0"/>
                             </a:rPr>
                             <a:t>0.001</a:t>
                           </a:r>
-                          <a:endParaRPr lang="en-US" dirty="0"/>
+                          <a:endParaRPr lang="en-US"/>
                         </a:p>
                       </a:txBody>
                       <a:tcPr/>
@@ -10382,9 +10409,9 @@
                       </a:txBody>
                       <a:tcPr>
                         <a:blipFill>
-                          <a:blip r:embed="rId20"/>
+                          <a:blip r:embed="rId11"/>
                           <a:stretch>
-                            <a:fillRect l="-317" t="-885000" r="-201270" b="-501667"/>
+                            <a:fillRect l="-317" t="-885000" r="-201270" b="-203333"/>
                           </a:stretch>
                         </a:blipFill>
                       </a:tcPr>
@@ -10395,7 +10422,7 @@
                         <a:lstStyle/>
                         <a:p>
                           <a:r>
-                            <a:rPr lang="en-US" dirty="0"/>
+                            <a:rPr lang="en-US"/>
                             <a:t>E</a:t>
                           </a:r>
                         </a:p>
@@ -10408,14 +10435,14 @@
                         <a:lstStyle/>
                         <a:p>
                           <a:r>
-                            <a:rPr lang="en-US" dirty="0">
+                            <a:rPr lang="en-US">
                               <a:latin typeface="Menlo" panose="020B0609030804020204" pitchFamily="49" charset="0"/>
                               <a:ea typeface="Menlo" panose="020B0609030804020204" pitchFamily="49" charset="0"/>
                               <a:cs typeface="Menlo" panose="020B0609030804020204" pitchFamily="49" charset="0"/>
                             </a:rPr>
                             <a:t>0.0013669</a:t>
                           </a:r>
-                          <a:endParaRPr lang="en-US" dirty="0"/>
+                          <a:endParaRPr lang="en-US"/>
                         </a:p>
                       </a:txBody>
                       <a:tcPr/>
@@ -10437,9 +10464,9 @@
                       </a:txBody>
                       <a:tcPr>
                         <a:blipFill>
-                          <a:blip r:embed="rId20"/>
+                          <a:blip r:embed="rId11"/>
                           <a:stretch>
-                            <a:fillRect l="-317" t="-985000" r="-201270" b="-401667"/>
+                            <a:fillRect l="-317" t="-985000" r="-201270" b="-103333"/>
                           </a:stretch>
                         </a:blipFill>
                       </a:tcPr>
@@ -10450,7 +10477,7 @@
                         <a:lstStyle/>
                         <a:p>
                           <a:r>
-                            <a:rPr lang="en-US" dirty="0"/>
+                            <a:rPr lang="en-US"/>
                             <a:t>E</a:t>
                           </a:r>
                         </a:p>
@@ -10463,14 +10490,12 @@
                         <a:lstStyle/>
                         <a:p>
                           <a:r>
-                            <a:rPr lang="en-US" dirty="0">
+                            <a:rPr lang="en-US">
                               <a:latin typeface="Menlo" panose="020B0609030804020204" pitchFamily="49" charset="0"/>
-                              <a:ea typeface="Menlo" panose="020B0609030804020204" pitchFamily="49" charset="0"/>
-                              <a:cs typeface="Menlo" panose="020B0609030804020204" pitchFamily="49" charset="0"/>
                             </a:rPr>
-                            <a:t>0.000455634</a:t>
+                            <a:t>0.00068345</a:t>
                           </a:r>
-                          <a:endParaRPr lang="en-US" dirty="0"/>
+                          <a:endParaRPr lang="en-US"/>
                         </a:p>
                       </a:txBody>
                       <a:tcPr/>
@@ -10490,29 +10515,14 @@
                           <a:endParaRPr lang="en-US"/>
                         </a:p>
                       </a:txBody>
-                      <a:tcPr>
-                        <a:blipFill>
-                          <a:blip r:embed="rId20"/>
-                          <a:stretch>
-                            <a:fillRect l="-317" t="-1085000" r="-201270" b="-301667"/>
-                          </a:stretch>
-                        </a:blipFill>
-                      </a:tcPr>
+                      <a:tcPr/>
                     </a:tc>
                     <a:tc>
                       <a:txBody>
                         <a:bodyPr/>
                         <a:lstStyle/>
                         <a:p>
-                          <a:r>
-                            <a:rPr lang="en-US" altLang="zh-CN" dirty="0"/>
-                            <a:t>angular </a:t>
-                          </a:r>
-                          <a:r>
-                            <a:rPr lang="en-US" altLang="zh-CN" dirty="0" err="1"/>
-                            <a:t>freq</a:t>
-                          </a:r>
-                          <a:endParaRPr lang="en-US" dirty="0"/>
+                          <a:endParaRPr lang="en-US"/>
                         </a:p>
                       </a:txBody>
                       <a:tcPr/>
@@ -10522,10 +10532,7 @@
                         <a:bodyPr/>
                         <a:lstStyle/>
                         <a:p>
-                          <a:r>
-                            <a:rPr lang="en-US" dirty="0"/>
-                            <a:t>0.0013669</a:t>
-                          </a:r>
+                          <a:endParaRPr lang="en-US"/>
                         </a:p>
                       </a:txBody>
                       <a:tcPr/>
@@ -10533,111 +10540,6 @@
                     <a:extLst>
                       <a:ext uri="{0D108BD9-81ED-4DB2-BD59-A6C34878D82A}">
                         <a16:rowId xmlns:a16="http://schemas.microsoft.com/office/drawing/2014/main" val="4113155503"/>
-                      </a:ext>
-                    </a:extLst>
-                  </a:tr>
-                  <a:tr h="365760">
-                    <a:tc>
-                      <a:txBody>
-                        <a:bodyPr/>
-                        <a:lstStyle/>
-                        <a:p>
-                          <a:endParaRPr lang="en-US"/>
-                        </a:p>
-                      </a:txBody>
-                      <a:tcPr>
-                        <a:blipFill>
-                          <a:blip r:embed="rId20"/>
-                          <a:stretch>
-                            <a:fillRect l="-317" t="-1185000" r="-201270" b="-201667"/>
-                          </a:stretch>
-                        </a:blipFill>
-                      </a:tcPr>
-                    </a:tc>
-                    <a:tc>
-                      <a:txBody>
-                        <a:bodyPr/>
-                        <a:lstStyle/>
-                        <a:p>
-                          <a:endParaRPr lang="en-US" dirty="0"/>
-                        </a:p>
-                      </a:txBody>
-                      <a:tcPr/>
-                    </a:tc>
-                    <a:tc>
-                      <a:txBody>
-                        <a:bodyPr/>
-                        <a:lstStyle/>
-                        <a:p>
-                          <a:r>
-                            <a:rPr lang="en-US" dirty="0"/>
-                            <a:t>1836.0</a:t>
-                          </a:r>
-                        </a:p>
-                      </a:txBody>
-                      <a:tcPr/>
-                    </a:tc>
-                    <a:extLst>
-                      <a:ext uri="{0D108BD9-81ED-4DB2-BD59-A6C34878D82A}">
-                        <a16:rowId xmlns:a16="http://schemas.microsoft.com/office/drawing/2014/main" val="3247003135"/>
-                      </a:ext>
-                    </a:extLst>
-                  </a:tr>
-                  <a:tr h="640080">
-                    <a:tc>
-                      <a:txBody>
-                        <a:bodyPr/>
-                        <a:lstStyle/>
-                        <a:p>
-                          <a:endParaRPr lang="en-US"/>
-                        </a:p>
-                      </a:txBody>
-                      <a:tcPr>
-                        <a:blipFill>
-                          <a:blip r:embed="rId20"/>
-                          <a:stretch>
-                            <a:fillRect l="-317" t="-734286" r="-201270" b="-15238"/>
-                          </a:stretch>
-                        </a:blipFill>
-                      </a:tcPr>
-                    </a:tc>
-                    <a:tc>
-                      <a:txBody>
-                        <a:bodyPr/>
-                        <a:lstStyle/>
-                        <a:p>
-                          <a:r>
-                            <a:rPr lang="en-US" dirty="0"/>
-                            <a:t>E/</a:t>
-                          </a:r>
-                          <a:r>
-                            <a:rPr lang="en-US" dirty="0" err="1"/>
-                            <a:t>freq</a:t>
-                          </a:r>
-                          <a:r>
-                            <a:rPr lang="en-US" dirty="0"/>
-                            <a:t>/length^2</a:t>
-                          </a:r>
-                        </a:p>
-                      </a:txBody>
-                      <a:tcPr/>
-                    </a:tc>
-                    <a:tc>
-                      <a:txBody>
-                        <a:bodyPr/>
-                        <a:lstStyle/>
-                        <a:p>
-                          <a:r>
-                            <a:rPr lang="en-US" dirty="0"/>
-                            <a:t>1.2545, 2.509, 5.0192, 10.0384</a:t>
-                          </a:r>
-                        </a:p>
-                      </a:txBody>
-                      <a:tcPr/>
-                    </a:tc>
-                    <a:extLst>
-                      <a:ext uri="{0D108BD9-81ED-4DB2-BD59-A6C34878D82A}">
-                        <a16:rowId xmlns:a16="http://schemas.microsoft.com/office/drawing/2014/main" val="993472355"/>
                       </a:ext>
                     </a:extLst>
                   </a:tr>
